--- a/MY CAPSTONE PROJECT-.pptx
+++ b/MY CAPSTONE PROJECT-.pptx
@@ -395,7 +395,7 @@
           <a:p>
             <a:fld id="{78ABE3C1-DBE1-495D-B57B-2849774B866A}" type="datetimeFigureOut">
               <a:rPr lang="en-US" smtClean="0"/>
-              <a:t>11/30/2021</a:t>
+              <a:t>12/1/2021</a:t>
             </a:fld>
             <a:endParaRPr lang="en-US" dirty="0"/>
           </a:p>
@@ -827,7 +827,7 @@
           <a:p>
             <a:fld id="{446C117F-5CCF-4837-BE5F-2B92066CAFAF}" type="datetimeFigureOut">
               <a:rPr lang="en-US" smtClean="0"/>
-              <a:t>11/30/2021</a:t>
+              <a:t>12/1/2021</a:t>
             </a:fld>
             <a:endParaRPr lang="en-US" dirty="0"/>
           </a:p>
@@ -1176,7 +1176,7 @@
           <a:p>
             <a:fld id="{84EB90BD-B6CE-46B7-997F-7313B992CCDC}" type="datetimeFigureOut">
               <a:rPr lang="en-US" smtClean="0"/>
-              <a:t>11/30/2021</a:t>
+              <a:t>12/1/2021</a:t>
             </a:fld>
             <a:endParaRPr lang="en-US" dirty="0"/>
           </a:p>
@@ -1594,7 +1594,7 @@
           <a:p>
             <a:fld id="{CDB9D11F-B188-461D-B23F-39381795C052}" type="datetimeFigureOut">
               <a:rPr lang="en-US" smtClean="0"/>
-              <a:t>11/30/2021</a:t>
+              <a:t>12/1/2021</a:t>
             </a:fld>
             <a:endParaRPr lang="en-US" dirty="0"/>
           </a:p>
@@ -2175,7 +2175,7 @@
           <a:p>
             <a:fld id="{52E6D8D9-55A2-4063-B0F3-121F44549695}" type="datetimeFigureOut">
               <a:rPr lang="en-US" smtClean="0"/>
-              <a:t>11/30/2021</a:t>
+              <a:t>12/1/2021</a:t>
             </a:fld>
             <a:endParaRPr lang="en-US" dirty="0"/>
           </a:p>
@@ -2869,7 +2869,7 @@
           <a:p>
             <a:fld id="{D4B24536-994D-4021-A283-9F449C0DB509}" type="datetimeFigureOut">
               <a:rPr lang="en-US" smtClean="0"/>
-              <a:t>11/30/2021</a:t>
+              <a:t>12/1/2021</a:t>
             </a:fld>
             <a:endParaRPr lang="en-US" dirty="0"/>
           </a:p>
@@ -3795,7 +3795,7 @@
           <a:p>
             <a:fld id="{3CBBBB78-C96F-47B7-AB17-D852CA960AC9}" type="datetimeFigureOut">
               <a:rPr lang="en-US" smtClean="0"/>
-              <a:t>11/30/2021</a:t>
+              <a:t>12/1/2021</a:t>
             </a:fld>
             <a:endParaRPr lang="en-US" dirty="0"/>
           </a:p>
@@ -4126,7 +4126,7 @@
           <a:p>
             <a:fld id="{1FA3F48C-C7C6-4055-9F49-3777875E72AE}" type="datetimeFigureOut">
               <a:rPr lang="en-US" smtClean="0"/>
-              <a:t>11/30/2021</a:t>
+              <a:t>12/1/2021</a:t>
             </a:fld>
             <a:endParaRPr lang="en-US" dirty="0"/>
           </a:p>
@@ -4405,7 +4405,7 @@
           <a:p>
             <a:fld id="{6178E61D-D431-422C-9764-11DAFE33AB63}" type="datetimeFigureOut">
               <a:rPr lang="en-US" smtClean="0"/>
-              <a:t>11/30/2021</a:t>
+              <a:t>12/1/2021</a:t>
             </a:fld>
             <a:endParaRPr lang="en-US" dirty="0"/>
           </a:p>
@@ -4742,7 +4742,7 @@
           <a:p>
             <a:fld id="{12DE42F4-6EEF-4EF7-8ED4-2208F0F89A08}" type="datetimeFigureOut">
               <a:rPr lang="en-US" smtClean="0"/>
-              <a:t>11/30/2021</a:t>
+              <a:t>12/1/2021</a:t>
             </a:fld>
             <a:endParaRPr lang="en-US" dirty="0"/>
           </a:p>
@@ -5149,7 +5149,7 @@
           <a:p>
             <a:fld id="{30578ACC-22D6-47C1-A373-4FD133E34F3C}" type="datetimeFigureOut">
               <a:rPr lang="en-US" smtClean="0"/>
-              <a:t>11/30/2021</a:t>
+              <a:t>12/1/2021</a:t>
             </a:fld>
             <a:endParaRPr lang="en-US" dirty="0"/>
           </a:p>
@@ -5548,7 +5548,7 @@
           <a:p>
             <a:fld id="{4E5A6C69-6797-4E8A-BF37-F2C3751466E9}" type="datetimeFigureOut">
               <a:rPr lang="en-US" smtClean="0"/>
-              <a:t>11/30/2021</a:t>
+              <a:t>12/1/2021</a:t>
             </a:fld>
             <a:endParaRPr lang="en-US" dirty="0"/>
           </a:p>
@@ -6067,7 +6067,7 @@
           <a:p>
             <a:fld id="{D82014A1-A632-4878-A0D3-F52BA7563730}" type="datetimeFigureOut">
               <a:rPr lang="en-US" smtClean="0"/>
-              <a:t>11/30/2021</a:t>
+              <a:t>12/1/2021</a:t>
             </a:fld>
             <a:endParaRPr lang="en-US" dirty="0"/>
           </a:p>
@@ -6337,7 +6337,7 @@
           <a:p>
             <a:fld id="{CE99F462-093F-4566-844B-4C71F2739DA5}" type="datetimeFigureOut">
               <a:rPr lang="en-US" smtClean="0"/>
-              <a:t>11/30/2021</a:t>
+              <a:t>12/1/2021</a:t>
             </a:fld>
             <a:endParaRPr lang="en-US" dirty="0"/>
           </a:p>
@@ -6499,7 +6499,7 @@
           <a:p>
             <a:fld id="{3D24A7AC-904D-4781-85BA-7D10C17ED021}" type="datetimeFigureOut">
               <a:rPr lang="en-US" smtClean="0"/>
-              <a:t>11/30/2021</a:t>
+              <a:t>12/1/2021</a:t>
             </a:fld>
             <a:endParaRPr lang="en-US" dirty="0"/>
           </a:p>
@@ -6902,7 +6902,7 @@
           <a:p>
             <a:fld id="{E331444B-B92B-4E27-8C94-BB93EAF5CB18}" type="datetimeFigureOut">
               <a:rPr lang="en-US" smtClean="0"/>
-              <a:t>11/30/2021</a:t>
+              <a:t>12/1/2021</a:t>
             </a:fld>
             <a:endParaRPr lang="en-US" dirty="0"/>
           </a:p>
@@ -7324,7 +7324,7 @@
           <a:p>
             <a:fld id="{363EFA5E-FA76-400D-B3DC-F0BA90E6D107}" type="datetimeFigureOut">
               <a:rPr lang="en-US" smtClean="0"/>
-              <a:t>11/30/2021</a:t>
+              <a:t>12/1/2021</a:t>
             </a:fld>
             <a:endParaRPr lang="en-US" dirty="0"/>
           </a:p>
@@ -7439,7 +7439,7 @@
           </a:prstGeom>
           <a:extLst>
             <a:ext uri="{909E8E84-426E-40dd-AFC4-6F175D3DCCD1}">
-              <a14:hiddenFill xmlns:a14="http://schemas.microsoft.com/office/drawing/2010/main" xmlns="">
+              <a14:hiddenFill xmlns="" xmlns:a14="http://schemas.microsoft.com/office/drawing/2010/main">
                 <a:solidFill>
                   <a:srgbClr val="FFFFFF"/>
                 </a:solidFill>
@@ -7578,7 +7578,7 @@
           <a:p>
             <a:fld id="{9D6E9DEC-419B-4CC5-A080-3B06BD5A8291}" type="datetimeFigureOut">
               <a:rPr lang="en-US" smtClean="0"/>
-              <a:t>11/30/2021</a:t>
+              <a:t>12/1/2021</a:t>
             </a:fld>
             <a:endParaRPr lang="en-US" dirty="0"/>
           </a:p>
@@ -7996,7 +7996,7 @@
           <p:cNvPr id="7" name="Title 6">
             <a:extLst>
               <a:ext uri="{FF2B5EF4-FFF2-40B4-BE49-F238E27FC236}">
-                <a16:creationId xmlns:a16="http://schemas.microsoft.com/office/drawing/2014/main" id="{6AFCD08B-A734-4E8B-96BC-383BBB8FF399}"/>
+                <a16:creationId xmlns:a16="http://schemas.microsoft.com/office/drawing/2014/main" xmlns="" id="{6AFCD08B-A734-4E8B-96BC-383BBB8FF399}"/>
               </a:ext>
             </a:extLst>
           </p:cNvPr>
@@ -8053,6 +8053,10 @@
               <a:rPr lang="en-GB" sz="3600" dirty="0"/>
               <a:t>-Integrated Electrical Maintenance Equipment Analysis (2018-2021)</a:t>
             </a:r>
+            <a:r>
+              <a:rPr lang="en-IN" sz="3600" dirty="0"/>
+              <a:t/>
+            </a:r>
             <a:br>
               <a:rPr lang="en-IN" sz="3600" dirty="0"/>
             </a:br>
@@ -8065,7 +8069,7 @@
           <p:cNvPr id="4" name="Subtitle 2">
             <a:extLst>
               <a:ext uri="{FF2B5EF4-FFF2-40B4-BE49-F238E27FC236}">
-                <a16:creationId xmlns:a16="http://schemas.microsoft.com/office/drawing/2014/main" id="{FEDEE3CB-1D98-433C-ABCB-B87DA4F9D00F}"/>
+                <a16:creationId xmlns:a16="http://schemas.microsoft.com/office/drawing/2014/main" xmlns="" id="{FEDEE3CB-1D98-433C-ABCB-B87DA4F9D00F}"/>
               </a:ext>
             </a:extLst>
           </p:cNvPr>
@@ -8264,7 +8268,7 @@
           <p:cNvPr id="9" name="Content Placeholder 8">
             <a:extLst>
               <a:ext uri="{FF2B5EF4-FFF2-40B4-BE49-F238E27FC236}">
-                <a16:creationId xmlns:a16="http://schemas.microsoft.com/office/drawing/2014/main" id="{2083C8A6-51D0-41BC-B9C0-DACDE20AE6B4}"/>
+                <a16:creationId xmlns:a16="http://schemas.microsoft.com/office/drawing/2014/main" xmlns="" id="{2083C8A6-51D0-41BC-B9C0-DACDE20AE6B4}"/>
               </a:ext>
             </a:extLst>
           </p:cNvPr>
@@ -8280,6 +8284,13 @@
           <a:bodyPr/>
           <a:lstStyle/>
           <a:p>
+            <a:pPr marL="0" indent="0">
+              <a:buNone/>
+            </a:pPr>
+            <a:r>
+              <a:rPr lang="en-GB" dirty="0" smtClean="0"/>
+              <a:t>Business in Brief:</a:t>
+            </a:r>
             <a:endParaRPr lang="en-IN" dirty="0"/>
           </a:p>
         </p:txBody>
@@ -8294,6 +8305,13 @@
   <p:clrMapOvr>
     <a:masterClrMapping/>
   </p:clrMapOvr>
+  <p:timing>
+    <p:tnLst>
+      <p:par>
+        <p:cTn id="1" dur="indefinite" restart="never" nodeType="tmRoot"/>
+      </p:par>
+    </p:tnLst>
+  </p:timing>
 </p:sld>
 </file>
 
@@ -8305,12 +8323,20 @@
         <a:gradFill flip="none" rotWithShape="1">
           <a:gsLst>
             <a:gs pos="6000">
-              <a:srgbClr val="C24513"/>
+              <a:srgbClr val="C24513">
+                <a:lumMod val="98000"/>
+                <a:lumOff val="2000"/>
+              </a:srgbClr>
             </a:gs>
-            <a:gs pos="40000">
+            <a:gs pos="68000">
+              <a:schemeClr val="accent1">
+                <a:lumMod val="93000"/>
+              </a:schemeClr>
+            </a:gs>
+            <a:gs pos="100000">
               <a:schemeClr val="bg2">
-                <a:lumMod val="60000"/>
-                <a:lumOff val="40000"/>
+                <a:lumMod val="82000"/>
+                <a:lumOff val="18000"/>
               </a:schemeClr>
             </a:gs>
           </a:gsLst>
@@ -8568,7 +8594,7 @@
           <p:cNvPr id="17" name="Rectangle: Rounded Corners 16">
             <a:extLst>
               <a:ext uri="{FF2B5EF4-FFF2-40B4-BE49-F238E27FC236}">
-                <a16:creationId xmlns:a16="http://schemas.microsoft.com/office/drawing/2014/main" id="{32023443-AC5C-42D6-8863-7C367EC46D63}"/>
+                <a16:creationId xmlns:a16="http://schemas.microsoft.com/office/drawing/2014/main" xmlns="" id="{32023443-AC5C-42D6-8863-7C367EC46D63}"/>
               </a:ext>
             </a:extLst>
           </p:cNvPr>
@@ -8630,7 +8656,7 @@
           <p:cNvPr id="25" name="Rectangle: Rounded Corners 24">
             <a:extLst>
               <a:ext uri="{FF2B5EF4-FFF2-40B4-BE49-F238E27FC236}">
-                <a16:creationId xmlns:a16="http://schemas.microsoft.com/office/drawing/2014/main" id="{EDAADE7B-8A0C-4108-9E16-4BD5EB401E47}"/>
+                <a16:creationId xmlns:a16="http://schemas.microsoft.com/office/drawing/2014/main" xmlns="" id="{EDAADE7B-8A0C-4108-9E16-4BD5EB401E47}"/>
               </a:ext>
             </a:extLst>
           </p:cNvPr>
@@ -8692,7 +8718,7 @@
           <p:cNvPr id="27" name="Right Arrow 9">
             <a:extLst>
               <a:ext uri="{FF2B5EF4-FFF2-40B4-BE49-F238E27FC236}">
-                <a16:creationId xmlns:a16="http://schemas.microsoft.com/office/drawing/2014/main" id="{E3E6BC0F-C30F-456A-B4F6-2797F8309A50}"/>
+                <a16:creationId xmlns:a16="http://schemas.microsoft.com/office/drawing/2014/main" xmlns="" id="{E3E6BC0F-C30F-456A-B4F6-2797F8309A50}"/>
               </a:ext>
             </a:extLst>
           </p:cNvPr>
@@ -8738,7 +8764,7 @@
           <p:cNvPr id="28" name="Rectangle: Rounded Corners 27">
             <a:extLst>
               <a:ext uri="{FF2B5EF4-FFF2-40B4-BE49-F238E27FC236}">
-                <a16:creationId xmlns:a16="http://schemas.microsoft.com/office/drawing/2014/main" id="{7541310D-8746-42F5-92B1-28AA7F6857A2}"/>
+                <a16:creationId xmlns:a16="http://schemas.microsoft.com/office/drawing/2014/main" xmlns="" id="{7541310D-8746-42F5-92B1-28AA7F6857A2}"/>
               </a:ext>
             </a:extLst>
           </p:cNvPr>
@@ -8800,7 +8826,7 @@
           <p:cNvPr id="22" name="TextBox 21">
             <a:extLst>
               <a:ext uri="{FF2B5EF4-FFF2-40B4-BE49-F238E27FC236}">
-                <a16:creationId xmlns:a16="http://schemas.microsoft.com/office/drawing/2014/main" id="{EC3666FE-107A-430A-8610-8F2E5F7E8DDF}"/>
+                <a16:creationId xmlns:a16="http://schemas.microsoft.com/office/drawing/2014/main" xmlns="" id="{EC3666FE-107A-430A-8610-8F2E5F7E8DDF}"/>
               </a:ext>
             </a:extLst>
           </p:cNvPr>
@@ -8810,7 +8836,7 @@
         <p:spPr>
           <a:xfrm>
             <a:off x="268345" y="4359231"/>
-            <a:ext cx="8607309" cy="830997"/>
+            <a:ext cx="8607309" cy="1569660"/>
           </a:xfrm>
           <a:prstGeom prst="rect">
             <a:avLst/>
@@ -8833,8 +8859,72 @@
             </a:r>
             <a:r>
               <a:rPr lang="en-IN" sz="1600" dirty="0"/>
-              <a:t> over past 3 years of my department was  exported in excel, pre-processing includes filtering data for my section(F&amp;D) and creating some useful metrics using excel formula.</a:t>
-            </a:r>
+              <a:t> over past 3 years of my department was  exported in excel, pre-processing includes filtering </a:t>
+            </a:r>
+            <a:r>
+              <a:rPr lang="en-IN" sz="1600" dirty="0" smtClean="0"/>
+              <a:t>raw data </a:t>
+            </a:r>
+            <a:r>
+              <a:rPr lang="en-IN" sz="1600" dirty="0"/>
+              <a:t>for my section(F&amp;D</a:t>
+            </a:r>
+            <a:r>
+              <a:rPr lang="en-IN" sz="1600" dirty="0" smtClean="0"/>
+              <a:t>) and deleting non electrical items.</a:t>
+            </a:r>
+          </a:p>
+          <a:p>
+            <a:r>
+              <a:rPr lang="en-GB" sz="1600" dirty="0" smtClean="0"/>
+              <a:t>I learned and used GitHub for working on my project from both home and office.</a:t>
+            </a:r>
+          </a:p>
+          <a:p>
+            <a:endParaRPr lang="en-GB" sz="1600" dirty="0" smtClean="0"/>
+          </a:p>
+          <a:p>
+            <a:endParaRPr lang="en-IN" sz="1600" dirty="0"/>
+          </a:p>
+        </p:txBody>
+      </p:sp>
+      <p:sp>
+        <p:nvSpPr>
+          <p:cNvPr id="2" name="Rectangle 1"/>
+          <p:cNvSpPr/>
+          <p:nvPr/>
+        </p:nvSpPr>
+        <p:spPr>
+          <a:xfrm>
+            <a:off x="1223963" y="2026444"/>
+            <a:ext cx="95250" cy="54769"/>
+          </a:xfrm>
+          <a:prstGeom prst="rect">
+            <a:avLst/>
+          </a:prstGeom>
+        </p:spPr>
+        <p:style>
+          <a:lnRef idx="2">
+            <a:schemeClr val="accent1">
+              <a:shade val="50000"/>
+            </a:schemeClr>
+          </a:lnRef>
+          <a:fillRef idx="1">
+            <a:schemeClr val="accent1"/>
+          </a:fillRef>
+          <a:effectRef idx="0">
+            <a:schemeClr val="accent1"/>
+          </a:effectRef>
+          <a:fontRef idx="minor">
+            <a:schemeClr val="lt1"/>
+          </a:fontRef>
+        </p:style>
+        <p:txBody>
+          <a:bodyPr rtlCol="0" anchor="ctr"/>
+          <a:lstStyle/>
+          <a:p>
+            <a:pPr algn="ctr"/>
+            <a:endParaRPr lang="en-IN"/>
           </a:p>
         </p:txBody>
       </p:sp>
@@ -8848,6 +8938,13 @@
   <p:clrMapOvr>
     <a:masterClrMapping/>
   </p:clrMapOvr>
+  <p:timing>
+    <p:tnLst>
+      <p:par>
+        <p:cTn id="1" dur="indefinite" restart="never" nodeType="tmRoot"/>
+      </p:par>
+    </p:tnLst>
+  </p:timing>
 </p:sld>
 </file>
 
@@ -8916,7 +9013,7 @@
         </p:nvSpPr>
         <p:spPr>
           <a:xfrm>
-            <a:off x="392952" y="420976"/>
+            <a:off x="385332" y="420976"/>
             <a:ext cx="6740917" cy="455986"/>
           </a:xfrm>
         </p:spPr>
@@ -8949,6 +9046,13 @@
   <p:clrMapOvr>
     <a:masterClrMapping/>
   </p:clrMapOvr>
+  <p:timing>
+    <p:tnLst>
+      <p:par>
+        <p:cTn id="1" dur="indefinite" restart="never" nodeType="tmRoot"/>
+      </p:par>
+    </p:tnLst>
+  </p:timing>
 </p:sld>
 </file>
 
@@ -9017,7 +9121,7 @@
         </p:nvSpPr>
         <p:spPr>
           <a:xfrm>
-            <a:off x="410881" y="429940"/>
+            <a:off x="395641" y="475660"/>
             <a:ext cx="6740917" cy="455986"/>
           </a:xfrm>
         </p:spPr>
@@ -9050,6 +9154,13 @@
   <p:clrMapOvr>
     <a:masterClrMapping/>
   </p:clrMapOvr>
+  <p:timing>
+    <p:tnLst>
+      <p:par>
+        <p:cTn id="1" dur="indefinite" restart="never" nodeType="tmRoot"/>
+      </p:par>
+    </p:tnLst>
+  </p:timing>
 </p:sld>
 </file>
 
@@ -9075,7 +9186,7 @@
           <p:cNvPr id="2" name="Title 1">
             <a:extLst>
               <a:ext uri="{FF2B5EF4-FFF2-40B4-BE49-F238E27FC236}">
-                <a16:creationId xmlns:a16="http://schemas.microsoft.com/office/drawing/2014/main" id="{89ACD353-C798-47C3-AA0F-1931DC1383AA}"/>
+                <a16:creationId xmlns:a16="http://schemas.microsoft.com/office/drawing/2014/main" xmlns="" id="{89ACD353-C798-47C3-AA0F-1931DC1383AA}"/>
               </a:ext>
             </a:extLst>
           </p:cNvPr>
@@ -9098,8 +9209,13 @@
           <a:p>
             <a:r>
               <a:rPr lang="en-IN" dirty="0"/>
-              <a:t>INSIGHTS AND RECOMMENDATION</a:t>
-            </a:r>
+              <a:t>INSIGHTS AND </a:t>
+            </a:r>
+            <a:r>
+              <a:rPr lang="en-IN" dirty="0" smtClean="0"/>
+              <a:t>RECOMMENDATIONs</a:t>
+            </a:r>
+            <a:endParaRPr lang="en-IN" dirty="0"/>
           </a:p>
         </p:txBody>
       </p:sp>
@@ -9108,7 +9224,7 @@
           <p:cNvPr id="4" name="Content Placeholder 3">
             <a:extLst>
               <a:ext uri="{FF2B5EF4-FFF2-40B4-BE49-F238E27FC236}">
-                <a16:creationId xmlns:a16="http://schemas.microsoft.com/office/drawing/2014/main" id="{D215D07A-4FFF-4A0D-ADB3-C2AE0AD20B20}"/>
+                <a16:creationId xmlns:a16="http://schemas.microsoft.com/office/drawing/2014/main" xmlns="" id="{D215D07A-4FFF-4A0D-ADB3-C2AE0AD20B20}"/>
               </a:ext>
             </a:extLst>
           </p:cNvPr>
@@ -9121,8 +9237,8 @@
         </p:nvSpPr>
         <p:spPr>
           <a:xfrm>
-            <a:off x="533399" y="2076897"/>
-            <a:ext cx="7490013" cy="3599316"/>
+            <a:off x="533399" y="2076896"/>
+            <a:ext cx="7490013" cy="4118163"/>
           </a:xfrm>
         </p:spPr>
         <p:txBody>
@@ -9143,6 +9259,13 @@
   <p:clrMapOvr>
     <a:masterClrMapping/>
   </p:clrMapOvr>
+  <p:timing>
+    <p:tnLst>
+      <p:par>
+        <p:cTn id="1" dur="indefinite" restart="never" nodeType="tmRoot"/>
+      </p:par>
+    </p:tnLst>
+  </p:timing>
 </p:sld>
 </file>
 

--- a/MY CAPSTONE PROJECT-.pptx
+++ b/MY CAPSTONE PROJECT-.pptx
@@ -395,7 +395,7 @@
           <a:p>
             <a:fld id="{78ABE3C1-DBE1-495D-B57B-2849774B866A}" type="datetimeFigureOut">
               <a:rPr lang="en-US" smtClean="0"/>
-              <a:t>12/1/2021</a:t>
+              <a:t>12/2/2021</a:t>
             </a:fld>
             <a:endParaRPr lang="en-US" dirty="0"/>
           </a:p>
@@ -827,7 +827,7 @@
           <a:p>
             <a:fld id="{446C117F-5CCF-4837-BE5F-2B92066CAFAF}" type="datetimeFigureOut">
               <a:rPr lang="en-US" smtClean="0"/>
-              <a:t>12/1/2021</a:t>
+              <a:t>12/2/2021</a:t>
             </a:fld>
             <a:endParaRPr lang="en-US" dirty="0"/>
           </a:p>
@@ -1176,7 +1176,7 @@
           <a:p>
             <a:fld id="{84EB90BD-B6CE-46B7-997F-7313B992CCDC}" type="datetimeFigureOut">
               <a:rPr lang="en-US" smtClean="0"/>
-              <a:t>12/1/2021</a:t>
+              <a:t>12/2/2021</a:t>
             </a:fld>
             <a:endParaRPr lang="en-US" dirty="0"/>
           </a:p>
@@ -1594,7 +1594,7 @@
           <a:p>
             <a:fld id="{CDB9D11F-B188-461D-B23F-39381795C052}" type="datetimeFigureOut">
               <a:rPr lang="en-US" smtClean="0"/>
-              <a:t>12/1/2021</a:t>
+              <a:t>12/2/2021</a:t>
             </a:fld>
             <a:endParaRPr lang="en-US" dirty="0"/>
           </a:p>
@@ -2175,7 +2175,7 @@
           <a:p>
             <a:fld id="{52E6D8D9-55A2-4063-B0F3-121F44549695}" type="datetimeFigureOut">
               <a:rPr lang="en-US" smtClean="0"/>
-              <a:t>12/1/2021</a:t>
+              <a:t>12/2/2021</a:t>
             </a:fld>
             <a:endParaRPr lang="en-US" dirty="0"/>
           </a:p>
@@ -2869,7 +2869,7 @@
           <a:p>
             <a:fld id="{D4B24536-994D-4021-A283-9F449C0DB509}" type="datetimeFigureOut">
               <a:rPr lang="en-US" smtClean="0"/>
-              <a:t>12/1/2021</a:t>
+              <a:t>12/2/2021</a:t>
             </a:fld>
             <a:endParaRPr lang="en-US" dirty="0"/>
           </a:p>
@@ -3795,7 +3795,7 @@
           <a:p>
             <a:fld id="{3CBBBB78-C96F-47B7-AB17-D852CA960AC9}" type="datetimeFigureOut">
               <a:rPr lang="en-US" smtClean="0"/>
-              <a:t>12/1/2021</a:t>
+              <a:t>12/2/2021</a:t>
             </a:fld>
             <a:endParaRPr lang="en-US" dirty="0"/>
           </a:p>
@@ -4126,7 +4126,7 @@
           <a:p>
             <a:fld id="{1FA3F48C-C7C6-4055-9F49-3777875E72AE}" type="datetimeFigureOut">
               <a:rPr lang="en-US" smtClean="0"/>
-              <a:t>12/1/2021</a:t>
+              <a:t>12/2/2021</a:t>
             </a:fld>
             <a:endParaRPr lang="en-US" dirty="0"/>
           </a:p>
@@ -4405,7 +4405,7 @@
           <a:p>
             <a:fld id="{6178E61D-D431-422C-9764-11DAFE33AB63}" type="datetimeFigureOut">
               <a:rPr lang="en-US" smtClean="0"/>
-              <a:t>12/1/2021</a:t>
+              <a:t>12/2/2021</a:t>
             </a:fld>
             <a:endParaRPr lang="en-US" dirty="0"/>
           </a:p>
@@ -4742,7 +4742,7 @@
           <a:p>
             <a:fld id="{12DE42F4-6EEF-4EF7-8ED4-2208F0F89A08}" type="datetimeFigureOut">
               <a:rPr lang="en-US" smtClean="0"/>
-              <a:t>12/1/2021</a:t>
+              <a:t>12/2/2021</a:t>
             </a:fld>
             <a:endParaRPr lang="en-US" dirty="0"/>
           </a:p>
@@ -5149,7 +5149,7 @@
           <a:p>
             <a:fld id="{30578ACC-22D6-47C1-A373-4FD133E34F3C}" type="datetimeFigureOut">
               <a:rPr lang="en-US" smtClean="0"/>
-              <a:t>12/1/2021</a:t>
+              <a:t>12/2/2021</a:t>
             </a:fld>
             <a:endParaRPr lang="en-US" dirty="0"/>
           </a:p>
@@ -5548,7 +5548,7 @@
           <a:p>
             <a:fld id="{4E5A6C69-6797-4E8A-BF37-F2C3751466E9}" type="datetimeFigureOut">
               <a:rPr lang="en-US" smtClean="0"/>
-              <a:t>12/1/2021</a:t>
+              <a:t>12/2/2021</a:t>
             </a:fld>
             <a:endParaRPr lang="en-US" dirty="0"/>
           </a:p>
@@ -6067,7 +6067,7 @@
           <a:p>
             <a:fld id="{D82014A1-A632-4878-A0D3-F52BA7563730}" type="datetimeFigureOut">
               <a:rPr lang="en-US" smtClean="0"/>
-              <a:t>12/1/2021</a:t>
+              <a:t>12/2/2021</a:t>
             </a:fld>
             <a:endParaRPr lang="en-US" dirty="0"/>
           </a:p>
@@ -6337,7 +6337,7 @@
           <a:p>
             <a:fld id="{CE99F462-093F-4566-844B-4C71F2739DA5}" type="datetimeFigureOut">
               <a:rPr lang="en-US" smtClean="0"/>
-              <a:t>12/1/2021</a:t>
+              <a:t>12/2/2021</a:t>
             </a:fld>
             <a:endParaRPr lang="en-US" dirty="0"/>
           </a:p>
@@ -6499,7 +6499,7 @@
           <a:p>
             <a:fld id="{3D24A7AC-904D-4781-85BA-7D10C17ED021}" type="datetimeFigureOut">
               <a:rPr lang="en-US" smtClean="0"/>
-              <a:t>12/1/2021</a:t>
+              <a:t>12/2/2021</a:t>
             </a:fld>
             <a:endParaRPr lang="en-US" dirty="0"/>
           </a:p>
@@ -6902,7 +6902,7 @@
           <a:p>
             <a:fld id="{E331444B-B92B-4E27-8C94-BB93EAF5CB18}" type="datetimeFigureOut">
               <a:rPr lang="en-US" smtClean="0"/>
-              <a:t>12/1/2021</a:t>
+              <a:t>12/2/2021</a:t>
             </a:fld>
             <a:endParaRPr lang="en-US" dirty="0"/>
           </a:p>
@@ -7324,7 +7324,7 @@
           <a:p>
             <a:fld id="{363EFA5E-FA76-400D-B3DC-F0BA90E6D107}" type="datetimeFigureOut">
               <a:rPr lang="en-US" smtClean="0"/>
-              <a:t>12/1/2021</a:t>
+              <a:t>12/2/2021</a:t>
             </a:fld>
             <a:endParaRPr lang="en-US" dirty="0"/>
           </a:p>
@@ -7439,7 +7439,7 @@
           </a:prstGeom>
           <a:extLst>
             <a:ext uri="{909E8E84-426E-40dd-AFC4-6F175D3DCCD1}">
-              <a14:hiddenFill xmlns="" xmlns:a14="http://schemas.microsoft.com/office/drawing/2010/main">
+              <a14:hiddenFill xmlns:a14="http://schemas.microsoft.com/office/drawing/2010/main" xmlns="">
                 <a:solidFill>
                   <a:srgbClr val="FFFFFF"/>
                 </a:solidFill>
@@ -7578,7 +7578,7 @@
           <a:p>
             <a:fld id="{9D6E9DEC-419B-4CC5-A080-3B06BD5A8291}" type="datetimeFigureOut">
               <a:rPr lang="en-US" smtClean="0"/>
-              <a:t>12/1/2021</a:t>
+              <a:t>12/2/2021</a:t>
             </a:fld>
             <a:endParaRPr lang="en-US" dirty="0"/>
           </a:p>
@@ -7996,7 +7996,7 @@
           <p:cNvPr id="7" name="Title 6">
             <a:extLst>
               <a:ext uri="{FF2B5EF4-FFF2-40B4-BE49-F238E27FC236}">
-                <a16:creationId xmlns:a16="http://schemas.microsoft.com/office/drawing/2014/main" xmlns="" id="{6AFCD08B-A734-4E8B-96BC-383BBB8FF399}"/>
+                <a16:creationId xmlns="" xmlns:a16="http://schemas.microsoft.com/office/drawing/2014/main" id="{6AFCD08B-A734-4E8B-96BC-383BBB8FF399}"/>
               </a:ext>
             </a:extLst>
           </p:cNvPr>
@@ -8069,7 +8069,7 @@
           <p:cNvPr id="4" name="Subtitle 2">
             <a:extLst>
               <a:ext uri="{FF2B5EF4-FFF2-40B4-BE49-F238E27FC236}">
-                <a16:creationId xmlns:a16="http://schemas.microsoft.com/office/drawing/2014/main" xmlns="" id="{FEDEE3CB-1D98-433C-ABCB-B87DA4F9D00F}"/>
+                <a16:creationId xmlns="" xmlns:a16="http://schemas.microsoft.com/office/drawing/2014/main" id="{FEDEE3CB-1D98-433C-ABCB-B87DA4F9D00F}"/>
               </a:ext>
             </a:extLst>
           </p:cNvPr>
@@ -8268,7 +8268,7 @@
           <p:cNvPr id="9" name="Content Placeholder 8">
             <a:extLst>
               <a:ext uri="{FF2B5EF4-FFF2-40B4-BE49-F238E27FC236}">
-                <a16:creationId xmlns:a16="http://schemas.microsoft.com/office/drawing/2014/main" xmlns="" id="{2083C8A6-51D0-41BC-B9C0-DACDE20AE6B4}"/>
+                <a16:creationId xmlns="" xmlns:a16="http://schemas.microsoft.com/office/drawing/2014/main" id="{2083C8A6-51D0-41BC-B9C0-DACDE20AE6B4}"/>
               </a:ext>
             </a:extLst>
           </p:cNvPr>
@@ -8594,7 +8594,7 @@
           <p:cNvPr id="17" name="Rectangle: Rounded Corners 16">
             <a:extLst>
               <a:ext uri="{FF2B5EF4-FFF2-40B4-BE49-F238E27FC236}">
-                <a16:creationId xmlns:a16="http://schemas.microsoft.com/office/drawing/2014/main" xmlns="" id="{32023443-AC5C-42D6-8863-7C367EC46D63}"/>
+                <a16:creationId xmlns="" xmlns:a16="http://schemas.microsoft.com/office/drawing/2014/main" id="{32023443-AC5C-42D6-8863-7C367EC46D63}"/>
               </a:ext>
             </a:extLst>
           </p:cNvPr>
@@ -8656,7 +8656,7 @@
           <p:cNvPr id="25" name="Rectangle: Rounded Corners 24">
             <a:extLst>
               <a:ext uri="{FF2B5EF4-FFF2-40B4-BE49-F238E27FC236}">
-                <a16:creationId xmlns:a16="http://schemas.microsoft.com/office/drawing/2014/main" xmlns="" id="{EDAADE7B-8A0C-4108-9E16-4BD5EB401E47}"/>
+                <a16:creationId xmlns="" xmlns:a16="http://schemas.microsoft.com/office/drawing/2014/main" id="{EDAADE7B-8A0C-4108-9E16-4BD5EB401E47}"/>
               </a:ext>
             </a:extLst>
           </p:cNvPr>
@@ -8718,7 +8718,7 @@
           <p:cNvPr id="27" name="Right Arrow 9">
             <a:extLst>
               <a:ext uri="{FF2B5EF4-FFF2-40B4-BE49-F238E27FC236}">
-                <a16:creationId xmlns:a16="http://schemas.microsoft.com/office/drawing/2014/main" xmlns="" id="{E3E6BC0F-C30F-456A-B4F6-2797F8309A50}"/>
+                <a16:creationId xmlns="" xmlns:a16="http://schemas.microsoft.com/office/drawing/2014/main" id="{E3E6BC0F-C30F-456A-B4F6-2797F8309A50}"/>
               </a:ext>
             </a:extLst>
           </p:cNvPr>
@@ -8764,7 +8764,7 @@
           <p:cNvPr id="28" name="Rectangle: Rounded Corners 27">
             <a:extLst>
               <a:ext uri="{FF2B5EF4-FFF2-40B4-BE49-F238E27FC236}">
-                <a16:creationId xmlns:a16="http://schemas.microsoft.com/office/drawing/2014/main" xmlns="" id="{7541310D-8746-42F5-92B1-28AA7F6857A2}"/>
+                <a16:creationId xmlns="" xmlns:a16="http://schemas.microsoft.com/office/drawing/2014/main" id="{7541310D-8746-42F5-92B1-28AA7F6857A2}"/>
               </a:ext>
             </a:extLst>
           </p:cNvPr>
@@ -8826,7 +8826,7 @@
           <p:cNvPr id="22" name="TextBox 21">
             <a:extLst>
               <a:ext uri="{FF2B5EF4-FFF2-40B4-BE49-F238E27FC236}">
-                <a16:creationId xmlns:a16="http://schemas.microsoft.com/office/drawing/2014/main" xmlns="" id="{EC3666FE-107A-430A-8610-8F2E5F7E8DDF}"/>
+                <a16:creationId xmlns="" xmlns:a16="http://schemas.microsoft.com/office/drawing/2014/main" id="{EC3666FE-107A-430A-8610-8F2E5F7E8DDF}"/>
               </a:ext>
             </a:extLst>
           </p:cNvPr>
@@ -9144,6 +9144,114 @@
           </a:p>
         </p:txBody>
       </p:sp>
+      <p:pic>
+        <p:nvPicPr>
+          <p:cNvPr id="3" name="Picture 2">
+            <a:extLst>
+              <a:ext uri="{FF2B5EF4-FFF2-40B4-BE49-F238E27FC236}">
+                <a16:creationId xmlns="" xmlns:xdr="http://schemas.openxmlformats.org/drawingml/2006/spreadsheetDrawing" xmlns:a16="http://schemas.microsoft.com/office/drawing/2014/main" xmlns:lc="http://schemas.openxmlformats.org/drawingml/2006/lockedCanvas" id="{3A34B8E4-F227-47E3-937F-BC808EAACB32}"/>
+              </a:ext>
+            </a:extLst>
+          </p:cNvPr>
+          <p:cNvPicPr>
+            <a:picLocks noChangeAspect="1"/>
+          </p:cNvPicPr>
+          <p:nvPr/>
+        </p:nvPicPr>
+        <p:blipFill>
+          <a:blip r:embed="rId2"/>
+          <a:stretch>
+            <a:fillRect/>
+          </a:stretch>
+        </p:blipFill>
+        <p:spPr>
+          <a:xfrm>
+            <a:off x="485692" y="1143309"/>
+            <a:ext cx="3514653" cy="2366010"/>
+          </a:xfrm>
+          <a:prstGeom prst="rect">
+            <a:avLst/>
+          </a:prstGeom>
+        </p:spPr>
+      </p:pic>
+      <p:pic>
+        <p:nvPicPr>
+          <p:cNvPr id="4" name="Picture 3"/>
+          <p:cNvPicPr>
+            <a:picLocks noChangeAspect="1"/>
+          </p:cNvPicPr>
+          <p:nvPr/>
+        </p:nvPicPr>
+        <p:blipFill>
+          <a:blip r:embed="rId3"/>
+          <a:stretch>
+            <a:fillRect/>
+          </a:stretch>
+        </p:blipFill>
+        <p:spPr>
+          <a:xfrm>
+            <a:off x="485693" y="3828844"/>
+            <a:ext cx="3514653" cy="2366010"/>
+          </a:xfrm>
+          <a:prstGeom prst="rect">
+            <a:avLst/>
+          </a:prstGeom>
+        </p:spPr>
+      </p:pic>
+      <p:pic>
+        <p:nvPicPr>
+          <p:cNvPr id="7" name="Picture 6"/>
+          <p:cNvPicPr>
+            <a:picLocks noChangeAspect="1"/>
+          </p:cNvPicPr>
+          <p:nvPr/>
+        </p:nvPicPr>
+        <p:blipFill>
+          <a:blip r:embed="rId4"/>
+          <a:stretch>
+            <a:fillRect/>
+          </a:stretch>
+        </p:blipFill>
+        <p:spPr>
+          <a:xfrm>
+            <a:off x="4527670" y="1278660"/>
+            <a:ext cx="4171487" cy="2024589"/>
+          </a:xfrm>
+          <a:prstGeom prst="rect">
+            <a:avLst/>
+          </a:prstGeom>
+          <a:solidFill>
+            <a:schemeClr val="tx1"/>
+          </a:solidFill>
+        </p:spPr>
+      </p:pic>
+      <p:pic>
+        <p:nvPicPr>
+          <p:cNvPr id="13" name="Picture 12"/>
+          <p:cNvPicPr>
+            <a:picLocks noChangeAspect="1"/>
+          </p:cNvPicPr>
+          <p:nvPr/>
+        </p:nvPicPr>
+        <p:blipFill>
+          <a:blip r:embed="rId5"/>
+          <a:stretch>
+            <a:fillRect/>
+          </a:stretch>
+        </p:blipFill>
+        <p:spPr>
+          <a:xfrm>
+            <a:off x="4527671" y="4117248"/>
+            <a:ext cx="3883162" cy="1598984"/>
+          </a:xfrm>
+          <a:prstGeom prst="rect">
+            <a:avLst/>
+          </a:prstGeom>
+          <a:solidFill>
+            <a:schemeClr val="tx1"/>
+          </a:solidFill>
+        </p:spPr>
+      </p:pic>
     </p:spTree>
     <p:extLst>
       <p:ext uri="{BB962C8B-B14F-4D97-AF65-F5344CB8AC3E}">
@@ -9186,7 +9294,7 @@
           <p:cNvPr id="2" name="Title 1">
             <a:extLst>
               <a:ext uri="{FF2B5EF4-FFF2-40B4-BE49-F238E27FC236}">
-                <a16:creationId xmlns:a16="http://schemas.microsoft.com/office/drawing/2014/main" xmlns="" id="{89ACD353-C798-47C3-AA0F-1931DC1383AA}"/>
+                <a16:creationId xmlns="" xmlns:a16="http://schemas.microsoft.com/office/drawing/2014/main" id="{89ACD353-C798-47C3-AA0F-1931DC1383AA}"/>
               </a:ext>
             </a:extLst>
           </p:cNvPr>
@@ -9224,7 +9332,7 @@
           <p:cNvPr id="4" name="Content Placeholder 3">
             <a:extLst>
               <a:ext uri="{FF2B5EF4-FFF2-40B4-BE49-F238E27FC236}">
-                <a16:creationId xmlns:a16="http://schemas.microsoft.com/office/drawing/2014/main" xmlns="" id="{D215D07A-4FFF-4A0D-ADB3-C2AE0AD20B20}"/>
+                <a16:creationId xmlns="" xmlns:a16="http://schemas.microsoft.com/office/drawing/2014/main" id="{D215D07A-4FFF-4A0D-ADB3-C2AE0AD20B20}"/>
               </a:ext>
             </a:extLst>
           </p:cNvPr>

--- a/MY CAPSTONE PROJECT-.pptx
+++ b/MY CAPSTONE PROJECT-.pptx
@@ -7,8 +7,8 @@
   <p:sldIdLst>
     <p:sldId id="256" r:id="rId2"/>
     <p:sldId id="257" r:id="rId3"/>
-    <p:sldId id="258" r:id="rId4"/>
-    <p:sldId id="259" r:id="rId5"/>
+    <p:sldId id="259" r:id="rId4"/>
+    <p:sldId id="258" r:id="rId5"/>
     <p:sldId id="260" r:id="rId6"/>
   </p:sldIdLst>
   <p:sldSz cx="9144000" cy="6858000" type="screen4x3"/>
@@ -7996,7 +7996,7 @@
           <p:cNvPr id="7" name="Title 6">
             <a:extLst>
               <a:ext uri="{FF2B5EF4-FFF2-40B4-BE49-F238E27FC236}">
-                <a16:creationId xmlns="" xmlns:a16="http://schemas.microsoft.com/office/drawing/2014/main" id="{6AFCD08B-A734-4E8B-96BC-383BBB8FF399}"/>
+                <a16:creationId xmlns:a16="http://schemas.microsoft.com/office/drawing/2014/main" id="{6AFCD08B-A734-4E8B-96BC-383BBB8FF399}"/>
               </a:ext>
             </a:extLst>
           </p:cNvPr>
@@ -8053,10 +8053,6 @@
               <a:rPr lang="en-GB" sz="3600" dirty="0"/>
               <a:t>-Integrated Electrical Maintenance Equipment Analysis (2018-2021)</a:t>
             </a:r>
-            <a:r>
-              <a:rPr lang="en-IN" sz="3600" dirty="0"/>
-              <a:t/>
-            </a:r>
             <a:br>
               <a:rPr lang="en-IN" sz="3600" dirty="0"/>
             </a:br>
@@ -8069,7 +8065,7 @@
           <p:cNvPr id="4" name="Subtitle 2">
             <a:extLst>
               <a:ext uri="{FF2B5EF4-FFF2-40B4-BE49-F238E27FC236}">
-                <a16:creationId xmlns="" xmlns:a16="http://schemas.microsoft.com/office/drawing/2014/main" id="{FEDEE3CB-1D98-433C-ABCB-B87DA4F9D00F}"/>
+                <a16:creationId xmlns:a16="http://schemas.microsoft.com/office/drawing/2014/main" id="{FEDEE3CB-1D98-433C-ABCB-B87DA4F9D00F}"/>
               </a:ext>
             </a:extLst>
           </p:cNvPr>
@@ -8268,7 +8264,7 @@
           <p:cNvPr id="9" name="Content Placeholder 8">
             <a:extLst>
               <a:ext uri="{FF2B5EF4-FFF2-40B4-BE49-F238E27FC236}">
-                <a16:creationId xmlns="" xmlns:a16="http://schemas.microsoft.com/office/drawing/2014/main" id="{2083C8A6-51D0-41BC-B9C0-DACDE20AE6B4}"/>
+                <a16:creationId xmlns:a16="http://schemas.microsoft.com/office/drawing/2014/main" id="{2083C8A6-51D0-41BC-B9C0-DACDE20AE6B4}"/>
               </a:ext>
             </a:extLst>
           </p:cNvPr>
@@ -8279,7 +8275,12 @@
             <p:ph idx="1"/>
           </p:nvPr>
         </p:nvSpPr>
-        <p:spPr/>
+        <p:spPr>
+          <a:xfrm>
+            <a:off x="533400" y="2336873"/>
+            <a:ext cx="7998204" cy="3599316"/>
+          </a:xfrm>
+        </p:spPr>
         <p:txBody>
           <a:bodyPr/>
           <a:lstStyle/>
@@ -8288,10 +8289,36 @@
               <a:buNone/>
             </a:pPr>
             <a:r>
-              <a:rPr lang="en-GB" dirty="0" smtClean="0"/>
+              <a:rPr lang="en-GB" dirty="0"/>
               <a:t>Business in Brief:</a:t>
             </a:r>
-            <a:endParaRPr lang="en-IN" dirty="0"/>
+          </a:p>
+          <a:p>
+            <a:r>
+              <a:rPr lang="en-IN" sz="2000" dirty="0">
+                <a:latin typeface="Arial Rounded MT Bold" panose="020F0704030504030204" pitchFamily="34" charset="0"/>
+              </a:rPr>
+              <a:t>Data is collected for a Cold Roll Mill of TATA STEEL, CRM produces steel sheets for various applications like automobile skin panel, corrugated sheets ..etc .</a:t>
+            </a:r>
+          </a:p>
+          <a:p>
+            <a:r>
+              <a:rPr lang="en-IN" sz="2000" dirty="0">
+                <a:latin typeface="Arial Rounded MT Bold" panose="020F0704030504030204" pitchFamily="34" charset="0"/>
+              </a:rPr>
+              <a:t>An Electrical agency maintains and fix any abnormality of electrical equipment and automation systems. It is also responsible for upgrades and commissioning of new systems introduced for increasing efficiency of process.</a:t>
+            </a:r>
+          </a:p>
+          <a:p>
+            <a:endParaRPr lang="en-IN" sz="2000" dirty="0">
+              <a:latin typeface="Arial Rounded MT Bold" panose="020F0704030504030204" pitchFamily="34" charset="0"/>
+            </a:endParaRPr>
+          </a:p>
+          <a:p>
+            <a:pPr marL="0" indent="0">
+              <a:buNone/>
+            </a:pPr>
+            <a:endParaRPr lang="en-IN" sz="2000" dirty="0"/>
           </a:p>
         </p:txBody>
       </p:sp>
@@ -8305,13 +8332,6 @@
   <p:clrMapOvr>
     <a:masterClrMapping/>
   </p:clrMapOvr>
-  <p:timing>
-    <p:tnLst>
-      <p:par>
-        <p:cTn id="1" dur="indefinite" restart="never" nodeType="tmRoot"/>
-      </p:par>
-    </p:tnLst>
-  </p:timing>
 </p:sld>
 </file>
 
@@ -8594,7 +8614,7 @@
           <p:cNvPr id="17" name="Rectangle: Rounded Corners 16">
             <a:extLst>
               <a:ext uri="{FF2B5EF4-FFF2-40B4-BE49-F238E27FC236}">
-                <a16:creationId xmlns="" xmlns:a16="http://schemas.microsoft.com/office/drawing/2014/main" id="{32023443-AC5C-42D6-8863-7C367EC46D63}"/>
+                <a16:creationId xmlns:a16="http://schemas.microsoft.com/office/drawing/2014/main" id="{32023443-AC5C-42D6-8863-7C367EC46D63}"/>
               </a:ext>
             </a:extLst>
           </p:cNvPr>
@@ -8656,7 +8676,7 @@
           <p:cNvPr id="25" name="Rectangle: Rounded Corners 24">
             <a:extLst>
               <a:ext uri="{FF2B5EF4-FFF2-40B4-BE49-F238E27FC236}">
-                <a16:creationId xmlns="" xmlns:a16="http://schemas.microsoft.com/office/drawing/2014/main" id="{EDAADE7B-8A0C-4108-9E16-4BD5EB401E47}"/>
+                <a16:creationId xmlns:a16="http://schemas.microsoft.com/office/drawing/2014/main" id="{EDAADE7B-8A0C-4108-9E16-4BD5EB401E47}"/>
               </a:ext>
             </a:extLst>
           </p:cNvPr>
@@ -8718,7 +8738,7 @@
           <p:cNvPr id="27" name="Right Arrow 9">
             <a:extLst>
               <a:ext uri="{FF2B5EF4-FFF2-40B4-BE49-F238E27FC236}">
-                <a16:creationId xmlns="" xmlns:a16="http://schemas.microsoft.com/office/drawing/2014/main" id="{E3E6BC0F-C30F-456A-B4F6-2797F8309A50}"/>
+                <a16:creationId xmlns:a16="http://schemas.microsoft.com/office/drawing/2014/main" id="{E3E6BC0F-C30F-456A-B4F6-2797F8309A50}"/>
               </a:ext>
             </a:extLst>
           </p:cNvPr>
@@ -8764,7 +8784,7 @@
           <p:cNvPr id="28" name="Rectangle: Rounded Corners 27">
             <a:extLst>
               <a:ext uri="{FF2B5EF4-FFF2-40B4-BE49-F238E27FC236}">
-                <a16:creationId xmlns="" xmlns:a16="http://schemas.microsoft.com/office/drawing/2014/main" id="{7541310D-8746-42F5-92B1-28AA7F6857A2}"/>
+                <a16:creationId xmlns:a16="http://schemas.microsoft.com/office/drawing/2014/main" id="{7541310D-8746-42F5-92B1-28AA7F6857A2}"/>
               </a:ext>
             </a:extLst>
           </p:cNvPr>
@@ -8826,7 +8846,7 @@
           <p:cNvPr id="22" name="TextBox 21">
             <a:extLst>
               <a:ext uri="{FF2B5EF4-FFF2-40B4-BE49-F238E27FC236}">
-                <a16:creationId xmlns="" xmlns:a16="http://schemas.microsoft.com/office/drawing/2014/main" id="{EC3666FE-107A-430A-8610-8F2E5F7E8DDF}"/>
+                <a16:creationId xmlns:a16="http://schemas.microsoft.com/office/drawing/2014/main" id="{EC3666FE-107A-430A-8610-8F2E5F7E8DDF}"/>
               </a:ext>
             </a:extLst>
           </p:cNvPr>
@@ -8859,29 +8879,17 @@
             </a:r>
             <a:r>
               <a:rPr lang="en-IN" sz="1600" dirty="0"/>
-              <a:t> over past 3 years of my department was  exported in excel, pre-processing includes filtering </a:t>
-            </a:r>
-            <a:r>
-              <a:rPr lang="en-IN" sz="1600" dirty="0" smtClean="0"/>
-              <a:t>raw data </a:t>
-            </a:r>
-            <a:r>
-              <a:rPr lang="en-IN" sz="1600" dirty="0"/>
-              <a:t>for my section(F&amp;D</a:t>
-            </a:r>
-            <a:r>
-              <a:rPr lang="en-IN" sz="1600" dirty="0" smtClean="0"/>
-              <a:t>) and deleting non electrical items.</a:t>
-            </a:r>
-          </a:p>
-          <a:p>
-            <a:r>
-              <a:rPr lang="en-GB" sz="1600" dirty="0" smtClean="0"/>
+              <a:t> over past 3 years of my department was  exported in excel, pre-processing includes filtering raw data for my section(F&amp;D) and deleting non electrical items.</a:t>
+            </a:r>
+          </a:p>
+          <a:p>
+            <a:r>
+              <a:rPr lang="en-GB" sz="1600" dirty="0"/>
               <a:t>I learned and used GitHub for working on my project from both home and office.</a:t>
             </a:r>
           </a:p>
           <a:p>
-            <a:endParaRPr lang="en-GB" sz="1600" dirty="0" smtClean="0"/>
+            <a:endParaRPr lang="en-GB" sz="1600" dirty="0"/>
           </a:p>
           <a:p>
             <a:endParaRPr lang="en-IN" sz="1600" dirty="0"/>
@@ -8938,13 +8946,6 @@
   <p:clrMapOvr>
     <a:masterClrMapping/>
   </p:clrMapOvr>
-  <p:timing>
-    <p:tnLst>
-      <p:par>
-        <p:cTn id="1" dur="indefinite" restart="never" nodeType="tmRoot"/>
-      </p:par>
-    </p:tnLst>
-  </p:timing>
 </p:sld>
 </file>
 
@@ -9013,7 +9014,7 @@
         </p:nvSpPr>
         <p:spPr>
           <a:xfrm>
-            <a:off x="385332" y="420976"/>
+            <a:off x="360806" y="101317"/>
             <a:ext cx="6740917" cy="455986"/>
           </a:xfrm>
         </p:spPr>
@@ -9036,23 +9037,124 @@
           </a:p>
         </p:txBody>
       </p:sp>
+      <p:pic>
+        <p:nvPicPr>
+          <p:cNvPr id="3" name="Picture 2">
+            <a:extLst>
+              <a:ext uri="{FF2B5EF4-FFF2-40B4-BE49-F238E27FC236}">
+                <a16:creationId xmlns:a16="http://schemas.microsoft.com/office/drawing/2014/main" id="{3A34B8E4-F227-47E3-937F-BC808EAACB32}"/>
+              </a:ext>
+            </a:extLst>
+          </p:cNvPr>
+          <p:cNvPicPr>
+            <a:picLocks noChangeAspect="1"/>
+          </p:cNvPicPr>
+          <p:nvPr/>
+        </p:nvPicPr>
+        <p:blipFill>
+          <a:blip r:embed="rId2"/>
+          <a:stretch>
+            <a:fillRect/>
+          </a:stretch>
+        </p:blipFill>
+        <p:spPr>
+          <a:xfrm>
+            <a:off x="485692" y="1160726"/>
+            <a:ext cx="3650879" cy="2457715"/>
+          </a:xfrm>
+          <a:prstGeom prst="rect">
+            <a:avLst/>
+          </a:prstGeom>
+        </p:spPr>
+      </p:pic>
+      <p:pic>
+        <p:nvPicPr>
+          <p:cNvPr id="4" name="Picture 3"/>
+          <p:cNvPicPr>
+            <a:picLocks noChangeAspect="1"/>
+          </p:cNvPicPr>
+          <p:nvPr/>
+        </p:nvPicPr>
+        <p:blipFill>
+          <a:blip r:embed="rId3"/>
+          <a:stretch>
+            <a:fillRect/>
+          </a:stretch>
+        </p:blipFill>
+        <p:spPr>
+          <a:xfrm>
+            <a:off x="621918" y="4117248"/>
+            <a:ext cx="3514653" cy="2366010"/>
+          </a:xfrm>
+          <a:prstGeom prst="rect">
+            <a:avLst/>
+          </a:prstGeom>
+        </p:spPr>
+      </p:pic>
+      <p:pic>
+        <p:nvPicPr>
+          <p:cNvPr id="7" name="Picture 6"/>
+          <p:cNvPicPr>
+            <a:picLocks noChangeAspect="1"/>
+          </p:cNvPicPr>
+          <p:nvPr/>
+        </p:nvPicPr>
+        <p:blipFill>
+          <a:blip r:embed="rId4"/>
+          <a:stretch>
+            <a:fillRect/>
+          </a:stretch>
+        </p:blipFill>
+        <p:spPr>
+          <a:xfrm>
+            <a:off x="4287182" y="1259612"/>
+            <a:ext cx="4656409" cy="2259941"/>
+          </a:xfrm>
+          <a:prstGeom prst="rect">
+            <a:avLst/>
+          </a:prstGeom>
+          <a:solidFill>
+            <a:schemeClr val="tx1"/>
+          </a:solidFill>
+        </p:spPr>
+      </p:pic>
+      <p:pic>
+        <p:nvPicPr>
+          <p:cNvPr id="13" name="Picture 12"/>
+          <p:cNvPicPr>
+            <a:picLocks noChangeAspect="1"/>
+          </p:cNvPicPr>
+          <p:nvPr/>
+        </p:nvPicPr>
+        <p:blipFill>
+          <a:blip r:embed="rId5"/>
+          <a:stretch>
+            <a:fillRect/>
+          </a:stretch>
+        </p:blipFill>
+        <p:spPr>
+          <a:xfrm>
+            <a:off x="4316435" y="4353605"/>
+            <a:ext cx="4597901" cy="1893295"/>
+          </a:xfrm>
+          <a:prstGeom prst="rect">
+            <a:avLst/>
+          </a:prstGeom>
+          <a:solidFill>
+            <a:schemeClr val="tx1"/>
+          </a:solidFill>
+        </p:spPr>
+      </p:pic>
     </p:spTree>
     <p:extLst>
       <p:ext uri="{BB962C8B-B14F-4D97-AF65-F5344CB8AC3E}">
-        <p14:creationId xmlns:p14="http://schemas.microsoft.com/office/powerpoint/2010/main" val="208240022"/>
+        <p14:creationId xmlns:p14="http://schemas.microsoft.com/office/powerpoint/2010/main" val="2891254259"/>
       </p:ext>
     </p:extLst>
   </p:cSld>
   <p:clrMapOvr>
     <a:masterClrMapping/>
   </p:clrMapOvr>
-  <p:timing>
-    <p:tnLst>
-      <p:par>
-        <p:cTn id="1" dur="indefinite" restart="never" nodeType="tmRoot"/>
-      </p:par>
-    </p:tnLst>
-  </p:timing>
 </p:sld>
 </file>
 
@@ -9121,7 +9223,7 @@
         </p:nvSpPr>
         <p:spPr>
           <a:xfrm>
-            <a:off x="395641" y="475660"/>
+            <a:off x="385332" y="420976"/>
             <a:ext cx="6740917" cy="455986"/>
           </a:xfrm>
         </p:spPr>
@@ -9146,10 +9248,10 @@
       </p:sp>
       <p:pic>
         <p:nvPicPr>
-          <p:cNvPr id="3" name="Picture 2">
+          <p:cNvPr id="6" name="Picture 5">
             <a:extLst>
               <a:ext uri="{FF2B5EF4-FFF2-40B4-BE49-F238E27FC236}">
-                <a16:creationId xmlns="" xmlns:xdr="http://schemas.openxmlformats.org/drawingml/2006/spreadsheetDrawing" xmlns:a16="http://schemas.microsoft.com/office/drawing/2014/main" xmlns:lc="http://schemas.openxmlformats.org/drawingml/2006/lockedCanvas" id="{3A34B8E4-F227-47E3-937F-BC808EAACB32}"/>
+                <a16:creationId xmlns:a16="http://schemas.microsoft.com/office/drawing/2014/main" id="{1A15AAD6-97C9-4CE4-9492-847A2E66090A}"/>
               </a:ext>
             </a:extLst>
           </p:cNvPr>
@@ -9166,56 +9268,8 @@
         </p:blipFill>
         <p:spPr>
           <a:xfrm>
-            <a:off x="485692" y="1143309"/>
-            <a:ext cx="3514653" cy="2366010"/>
-          </a:xfrm>
-          <a:prstGeom prst="rect">
-            <a:avLst/>
-          </a:prstGeom>
-        </p:spPr>
-      </p:pic>
-      <p:pic>
-        <p:nvPicPr>
-          <p:cNvPr id="4" name="Picture 3"/>
-          <p:cNvPicPr>
-            <a:picLocks noChangeAspect="1"/>
-          </p:cNvPicPr>
-          <p:nvPr/>
-        </p:nvPicPr>
-        <p:blipFill>
-          <a:blip r:embed="rId3"/>
-          <a:stretch>
-            <a:fillRect/>
-          </a:stretch>
-        </p:blipFill>
-        <p:spPr>
-          <a:xfrm>
-            <a:off x="485693" y="3828844"/>
-            <a:ext cx="3514653" cy="2366010"/>
-          </a:xfrm>
-          <a:prstGeom prst="rect">
-            <a:avLst/>
-          </a:prstGeom>
-        </p:spPr>
-      </p:pic>
-      <p:pic>
-        <p:nvPicPr>
-          <p:cNvPr id="7" name="Picture 6"/>
-          <p:cNvPicPr>
-            <a:picLocks noChangeAspect="1"/>
-          </p:cNvPicPr>
-          <p:nvPr/>
-        </p:nvPicPr>
-        <p:blipFill>
-          <a:blip r:embed="rId4"/>
-          <a:stretch>
-            <a:fillRect/>
-          </a:stretch>
-        </p:blipFill>
-        <p:spPr>
-          <a:xfrm>
-            <a:off x="4527670" y="1278660"/>
-            <a:ext cx="4171487" cy="2024589"/>
+            <a:off x="385332" y="1599237"/>
+            <a:ext cx="4702629" cy="4529847"/>
           </a:xfrm>
           <a:prstGeom prst="rect">
             <a:avLst/>
@@ -9223,52 +9277,30 @@
           <a:solidFill>
             <a:schemeClr val="tx1"/>
           </a:solidFill>
-        </p:spPr>
-      </p:pic>
-      <p:pic>
-        <p:nvPicPr>
-          <p:cNvPr id="13" name="Picture 12"/>
-          <p:cNvPicPr>
-            <a:picLocks noChangeAspect="1"/>
-          </p:cNvPicPr>
-          <p:nvPr/>
-        </p:nvPicPr>
-        <p:blipFill>
-          <a:blip r:embed="rId5"/>
-          <a:stretch>
-            <a:fillRect/>
-          </a:stretch>
-        </p:blipFill>
-        <p:spPr>
-          <a:xfrm>
-            <a:off x="4527671" y="4117248"/>
-            <a:ext cx="3883162" cy="1598984"/>
-          </a:xfrm>
-          <a:prstGeom prst="rect">
-            <a:avLst/>
-          </a:prstGeom>
-          <a:solidFill>
-            <a:schemeClr val="tx1"/>
-          </a:solidFill>
+          <a:ln>
+            <a:solidFill>
+              <a:schemeClr val="bg1"/>
+            </a:solidFill>
+          </a:ln>
+          <a:effectLst>
+            <a:outerShdw blurRad="50800" dist="38100" dir="5400000" algn="t" rotWithShape="0">
+              <a:prstClr val="black">
+                <a:alpha val="40000"/>
+              </a:prstClr>
+            </a:outerShdw>
+          </a:effectLst>
         </p:spPr>
       </p:pic>
     </p:spTree>
     <p:extLst>
       <p:ext uri="{BB962C8B-B14F-4D97-AF65-F5344CB8AC3E}">
-        <p14:creationId xmlns:p14="http://schemas.microsoft.com/office/powerpoint/2010/main" val="3187457802"/>
+        <p14:creationId xmlns:p14="http://schemas.microsoft.com/office/powerpoint/2010/main" val="208240022"/>
       </p:ext>
     </p:extLst>
   </p:cSld>
   <p:clrMapOvr>
     <a:masterClrMapping/>
   </p:clrMapOvr>
-  <p:timing>
-    <p:tnLst>
-      <p:par>
-        <p:cTn id="1" dur="indefinite" restart="never" nodeType="tmRoot"/>
-      </p:par>
-    </p:tnLst>
-  </p:timing>
 </p:sld>
 </file>
 
@@ -9294,7 +9326,7 @@
           <p:cNvPr id="2" name="Title 1">
             <a:extLst>
               <a:ext uri="{FF2B5EF4-FFF2-40B4-BE49-F238E27FC236}">
-                <a16:creationId xmlns="" xmlns:a16="http://schemas.microsoft.com/office/drawing/2014/main" id="{89ACD353-C798-47C3-AA0F-1931DC1383AA}"/>
+                <a16:creationId xmlns:a16="http://schemas.microsoft.com/office/drawing/2014/main" id="{89ACD353-C798-47C3-AA0F-1931DC1383AA}"/>
               </a:ext>
             </a:extLst>
           </p:cNvPr>
@@ -9317,13 +9349,8 @@
           <a:p>
             <a:r>
               <a:rPr lang="en-IN" dirty="0"/>
-              <a:t>INSIGHTS AND </a:t>
-            </a:r>
-            <a:r>
-              <a:rPr lang="en-IN" dirty="0" smtClean="0"/>
-              <a:t>RECOMMENDATIONs</a:t>
-            </a:r>
-            <a:endParaRPr lang="en-IN" dirty="0"/>
+              <a:t>INSIGHTS AND RECOMMENDATIONs</a:t>
+            </a:r>
           </a:p>
         </p:txBody>
       </p:sp>
@@ -9332,7 +9359,7 @@
           <p:cNvPr id="4" name="Content Placeholder 3">
             <a:extLst>
               <a:ext uri="{FF2B5EF4-FFF2-40B4-BE49-F238E27FC236}">
-                <a16:creationId xmlns="" xmlns:a16="http://schemas.microsoft.com/office/drawing/2014/main" id="{D215D07A-4FFF-4A0D-ADB3-C2AE0AD20B20}"/>
+                <a16:creationId xmlns:a16="http://schemas.microsoft.com/office/drawing/2014/main" id="{D215D07A-4FFF-4A0D-ADB3-C2AE0AD20B20}"/>
               </a:ext>
             </a:extLst>
           </p:cNvPr>
@@ -9353,7 +9380,24 @@
           <a:bodyPr/>
           <a:lstStyle/>
           <a:p>
-            <a:endParaRPr lang="en-IN" dirty="0"/>
+            <a:r>
+              <a:rPr lang="en-IN" dirty="0"/>
+              <a:t>The question I wanted to answer was failure rate of which </a:t>
+            </a:r>
+            <a:r>
+              <a:rPr lang="en-IN" dirty="0" err="1"/>
+              <a:t>equipments</a:t>
+            </a:r>
+            <a:r>
+              <a:rPr lang="en-IN" dirty="0"/>
+              <a:t> were higher.</a:t>
+            </a:r>
+          </a:p>
+          <a:p>
+            <a:r>
+              <a:rPr lang="en-IN" dirty="0"/>
+              <a:t>To find which </a:t>
+            </a:r>
           </a:p>
         </p:txBody>
       </p:sp>
@@ -9367,13 +9411,6 @@
   <p:clrMapOvr>
     <a:masterClrMapping/>
   </p:clrMapOvr>
-  <p:timing>
-    <p:tnLst>
-      <p:par>
-        <p:cTn id="1" dur="indefinite" restart="never" nodeType="tmRoot"/>
-      </p:par>
-    </p:tnLst>
-  </p:timing>
 </p:sld>
 </file>
 

--- a/MY CAPSTONE PROJECT-.pptx
+++ b/MY CAPSTONE PROJECT-.pptx
@@ -395,7 +395,7 @@
           <a:p>
             <a:fld id="{78ABE3C1-DBE1-495D-B57B-2849774B866A}" type="datetimeFigureOut">
               <a:rPr lang="en-US" smtClean="0"/>
-              <a:t>12/2/2021</a:t>
+              <a:t>12/3/2021</a:t>
             </a:fld>
             <a:endParaRPr lang="en-US" dirty="0"/>
           </a:p>
@@ -827,7 +827,7 @@
           <a:p>
             <a:fld id="{446C117F-5CCF-4837-BE5F-2B92066CAFAF}" type="datetimeFigureOut">
               <a:rPr lang="en-US" smtClean="0"/>
-              <a:t>12/2/2021</a:t>
+              <a:t>12/3/2021</a:t>
             </a:fld>
             <a:endParaRPr lang="en-US" dirty="0"/>
           </a:p>
@@ -1176,7 +1176,7 @@
           <a:p>
             <a:fld id="{84EB90BD-B6CE-46B7-997F-7313B992CCDC}" type="datetimeFigureOut">
               <a:rPr lang="en-US" smtClean="0"/>
-              <a:t>12/2/2021</a:t>
+              <a:t>12/3/2021</a:t>
             </a:fld>
             <a:endParaRPr lang="en-US" dirty="0"/>
           </a:p>
@@ -1594,7 +1594,7 @@
           <a:p>
             <a:fld id="{CDB9D11F-B188-461D-B23F-39381795C052}" type="datetimeFigureOut">
               <a:rPr lang="en-US" smtClean="0"/>
-              <a:t>12/2/2021</a:t>
+              <a:t>12/3/2021</a:t>
             </a:fld>
             <a:endParaRPr lang="en-US" dirty="0"/>
           </a:p>
@@ -2175,7 +2175,7 @@
           <a:p>
             <a:fld id="{52E6D8D9-55A2-4063-B0F3-121F44549695}" type="datetimeFigureOut">
               <a:rPr lang="en-US" smtClean="0"/>
-              <a:t>12/2/2021</a:t>
+              <a:t>12/3/2021</a:t>
             </a:fld>
             <a:endParaRPr lang="en-US" dirty="0"/>
           </a:p>
@@ -2869,7 +2869,7 @@
           <a:p>
             <a:fld id="{D4B24536-994D-4021-A283-9F449C0DB509}" type="datetimeFigureOut">
               <a:rPr lang="en-US" smtClean="0"/>
-              <a:t>12/2/2021</a:t>
+              <a:t>12/3/2021</a:t>
             </a:fld>
             <a:endParaRPr lang="en-US" dirty="0"/>
           </a:p>
@@ -3795,7 +3795,7 @@
           <a:p>
             <a:fld id="{3CBBBB78-C96F-47B7-AB17-D852CA960AC9}" type="datetimeFigureOut">
               <a:rPr lang="en-US" smtClean="0"/>
-              <a:t>12/2/2021</a:t>
+              <a:t>12/3/2021</a:t>
             </a:fld>
             <a:endParaRPr lang="en-US" dirty="0"/>
           </a:p>
@@ -4126,7 +4126,7 @@
           <a:p>
             <a:fld id="{1FA3F48C-C7C6-4055-9F49-3777875E72AE}" type="datetimeFigureOut">
               <a:rPr lang="en-US" smtClean="0"/>
-              <a:t>12/2/2021</a:t>
+              <a:t>12/3/2021</a:t>
             </a:fld>
             <a:endParaRPr lang="en-US" dirty="0"/>
           </a:p>
@@ -4405,7 +4405,7 @@
           <a:p>
             <a:fld id="{6178E61D-D431-422C-9764-11DAFE33AB63}" type="datetimeFigureOut">
               <a:rPr lang="en-US" smtClean="0"/>
-              <a:t>12/2/2021</a:t>
+              <a:t>12/3/2021</a:t>
             </a:fld>
             <a:endParaRPr lang="en-US" dirty="0"/>
           </a:p>
@@ -4742,7 +4742,7 @@
           <a:p>
             <a:fld id="{12DE42F4-6EEF-4EF7-8ED4-2208F0F89A08}" type="datetimeFigureOut">
               <a:rPr lang="en-US" smtClean="0"/>
-              <a:t>12/2/2021</a:t>
+              <a:t>12/3/2021</a:t>
             </a:fld>
             <a:endParaRPr lang="en-US" dirty="0"/>
           </a:p>
@@ -5149,7 +5149,7 @@
           <a:p>
             <a:fld id="{30578ACC-22D6-47C1-A373-4FD133E34F3C}" type="datetimeFigureOut">
               <a:rPr lang="en-US" smtClean="0"/>
-              <a:t>12/2/2021</a:t>
+              <a:t>12/3/2021</a:t>
             </a:fld>
             <a:endParaRPr lang="en-US" dirty="0"/>
           </a:p>
@@ -5548,7 +5548,7 @@
           <a:p>
             <a:fld id="{4E5A6C69-6797-4E8A-BF37-F2C3751466E9}" type="datetimeFigureOut">
               <a:rPr lang="en-US" smtClean="0"/>
-              <a:t>12/2/2021</a:t>
+              <a:t>12/3/2021</a:t>
             </a:fld>
             <a:endParaRPr lang="en-US" dirty="0"/>
           </a:p>
@@ -6067,7 +6067,7 @@
           <a:p>
             <a:fld id="{D82014A1-A632-4878-A0D3-F52BA7563730}" type="datetimeFigureOut">
               <a:rPr lang="en-US" smtClean="0"/>
-              <a:t>12/2/2021</a:t>
+              <a:t>12/3/2021</a:t>
             </a:fld>
             <a:endParaRPr lang="en-US" dirty="0"/>
           </a:p>
@@ -6337,7 +6337,7 @@
           <a:p>
             <a:fld id="{CE99F462-093F-4566-844B-4C71F2739DA5}" type="datetimeFigureOut">
               <a:rPr lang="en-US" smtClean="0"/>
-              <a:t>12/2/2021</a:t>
+              <a:t>12/3/2021</a:t>
             </a:fld>
             <a:endParaRPr lang="en-US" dirty="0"/>
           </a:p>
@@ -6499,7 +6499,7 @@
           <a:p>
             <a:fld id="{3D24A7AC-904D-4781-85BA-7D10C17ED021}" type="datetimeFigureOut">
               <a:rPr lang="en-US" smtClean="0"/>
-              <a:t>12/2/2021</a:t>
+              <a:t>12/3/2021</a:t>
             </a:fld>
             <a:endParaRPr lang="en-US" dirty="0"/>
           </a:p>
@@ -6902,7 +6902,7 @@
           <a:p>
             <a:fld id="{E331444B-B92B-4E27-8C94-BB93EAF5CB18}" type="datetimeFigureOut">
               <a:rPr lang="en-US" smtClean="0"/>
-              <a:t>12/2/2021</a:t>
+              <a:t>12/3/2021</a:t>
             </a:fld>
             <a:endParaRPr lang="en-US" dirty="0"/>
           </a:p>
@@ -7324,7 +7324,7 @@
           <a:p>
             <a:fld id="{363EFA5E-FA76-400D-B3DC-F0BA90E6D107}" type="datetimeFigureOut">
               <a:rPr lang="en-US" smtClean="0"/>
-              <a:t>12/2/2021</a:t>
+              <a:t>12/3/2021</a:t>
             </a:fld>
             <a:endParaRPr lang="en-US" dirty="0"/>
           </a:p>
@@ -7439,7 +7439,7 @@
           </a:prstGeom>
           <a:extLst>
             <a:ext uri="{909E8E84-426E-40dd-AFC4-6F175D3DCCD1}">
-              <a14:hiddenFill xmlns:a14="http://schemas.microsoft.com/office/drawing/2010/main" xmlns="">
+              <a14:hiddenFill xmlns="" xmlns:a14="http://schemas.microsoft.com/office/drawing/2010/main">
                 <a:solidFill>
                   <a:srgbClr val="FFFFFF"/>
                 </a:solidFill>
@@ -7578,7 +7578,7 @@
           <a:p>
             <a:fld id="{9D6E9DEC-419B-4CC5-A080-3B06BD5A8291}" type="datetimeFigureOut">
               <a:rPr lang="en-US" smtClean="0"/>
-              <a:t>12/2/2021</a:t>
+              <a:t>12/3/2021</a:t>
             </a:fld>
             <a:endParaRPr lang="en-US" dirty="0"/>
           </a:p>
@@ -7991,6 +7991,56 @@
           <a:chExt cx="0" cy="0"/>
         </a:xfrm>
       </p:grpSpPr>
+      <p:pic>
+        <p:nvPicPr>
+          <p:cNvPr id="1028" name="Picture 4" descr="High Quality Cold Rolled Steel, Tata Steelium - TSDPL">
+            <a:extLst>
+              <a:ext uri="{FF2B5EF4-FFF2-40B4-BE49-F238E27FC236}">
+                <a16:creationId xmlns:a16="http://schemas.microsoft.com/office/drawing/2014/main" id="{3528C408-4150-483B-86EC-948467AD0540}"/>
+              </a:ext>
+            </a:extLst>
+          </p:cNvPr>
+          <p:cNvPicPr>
+            <a:picLocks noChangeAspect="1" noChangeArrowheads="1"/>
+          </p:cNvPicPr>
+          <p:nvPr/>
+        </p:nvPicPr>
+        <p:blipFill rotWithShape="1">
+          <a:blip r:embed="rId2">
+            <a:extLst>
+              <a:ext uri="{28A0092B-C50C-407E-A947-70E740481C1C}">
+                <a14:useLocalDpi xmlns:a14="http://schemas.microsoft.com/office/drawing/2010/main" val="0"/>
+              </a:ext>
+            </a:extLst>
+          </a:blip>
+          <a:srcRect l="458" t="20" r="248" b="-2"/>
+          <a:stretch/>
+        </p:blipFill>
+        <p:spPr bwMode="auto">
+          <a:xfrm>
+            <a:off x="605994" y="2162024"/>
+            <a:ext cx="3481182" cy="1688739"/>
+          </a:xfrm>
+          <a:prstGeom prst="rect">
+            <a:avLst/>
+          </a:prstGeom>
+          <a:noFill/>
+          <a:ln w="6350">
+            <a:solidFill>
+              <a:schemeClr val="tx1"/>
+            </a:solidFill>
+          </a:ln>
+          <a:extLst>
+            <a:ext uri="{909E8E84-426E-40DD-AFC4-6F175D3DCCD1}">
+              <a14:hiddenFill xmlns:a14="http://schemas.microsoft.com/office/drawing/2010/main">
+                <a:solidFill>
+                  <a:srgbClr val="FFFFFF"/>
+                </a:solidFill>
+              </a14:hiddenFill>
+            </a:ext>
+          </a:extLst>
+        </p:spPr>
+      </p:pic>
       <p:sp>
         <p:nvSpPr>
           <p:cNvPr id="7" name="Title 6">
@@ -8277,8 +8327,8 @@
         </p:nvSpPr>
         <p:spPr>
           <a:xfrm>
-            <a:off x="533400" y="2336873"/>
-            <a:ext cx="7998204" cy="3599316"/>
+            <a:off x="433027" y="3984129"/>
+            <a:ext cx="7880463" cy="3599316"/>
           </a:xfrm>
         </p:spPr>
         <p:txBody>
@@ -8306,7 +8356,7 @@
               <a:rPr lang="en-IN" sz="2000" dirty="0">
                 <a:latin typeface="Arial Rounded MT Bold" panose="020F0704030504030204" pitchFamily="34" charset="0"/>
               </a:rPr>
-              <a:t>An Electrical agency maintains and fix any abnormality of electrical equipment and automation systems. It is also responsible for upgrades and commissioning of new systems introduced for increasing efficiency of process.</a:t>
+              <a:t>An Electrical agency maintains and fix any abnormality of electrical equipment and automation systems. It is also responsible for upgrades and commissioning of new systems introduced for increasing efficiency of the process.</a:t>
             </a:r>
           </a:p>
           <a:p>
@@ -8322,6 +8372,58 @@
           </a:p>
         </p:txBody>
       </p:sp>
+      <p:pic>
+        <p:nvPicPr>
+          <p:cNvPr id="1030" name="Picture 6" descr="ESMECH Equipment Private Limited – ESMECH EQUIPMENT PVT. LTD">
+            <a:extLst>
+              <a:ext uri="{FF2B5EF4-FFF2-40B4-BE49-F238E27FC236}">
+                <a16:creationId xmlns:a16="http://schemas.microsoft.com/office/drawing/2014/main" id="{5D3F0336-80F8-4F5A-94B3-E0EDEB3DF621}"/>
+              </a:ext>
+            </a:extLst>
+          </p:cNvPr>
+          <p:cNvPicPr>
+            <a:picLocks noChangeAspect="1" noChangeArrowheads="1"/>
+          </p:cNvPicPr>
+          <p:nvPr/>
+        </p:nvPicPr>
+        <p:blipFill>
+          <a:blip r:embed="rId3">
+            <a:extLst>
+              <a:ext uri="{28A0092B-C50C-407E-A947-70E740481C1C}">
+                <a14:useLocalDpi xmlns:a14="http://schemas.microsoft.com/office/drawing/2010/main" val="0"/>
+              </a:ext>
+            </a:extLst>
+          </a:blip>
+          <a:srcRect/>
+          <a:stretch>
+            <a:fillRect/>
+          </a:stretch>
+        </p:blipFill>
+        <p:spPr bwMode="auto">
+          <a:xfrm>
+            <a:off x="4571999" y="2185962"/>
+            <a:ext cx="2937884" cy="1664801"/>
+          </a:xfrm>
+          <a:prstGeom prst="rect">
+            <a:avLst/>
+          </a:prstGeom>
+          <a:noFill/>
+          <a:ln w="6350">
+            <a:solidFill>
+              <a:schemeClr val="tx1"/>
+            </a:solidFill>
+          </a:ln>
+          <a:extLst>
+            <a:ext uri="{909E8E84-426E-40DD-AFC4-6F175D3DCCD1}">
+              <a14:hiddenFill xmlns:a14="http://schemas.microsoft.com/office/drawing/2010/main">
+                <a:solidFill>
+                  <a:srgbClr val="FFFFFF"/>
+                </a:solidFill>
+              </a14:hiddenFill>
+            </a:ext>
+          </a:extLst>
+        </p:spPr>
+      </p:pic>
     </p:spTree>
     <p:extLst>
       <p:ext uri="{BB962C8B-B14F-4D97-AF65-F5344CB8AC3E}">
@@ -8392,23 +8494,20 @@
         </p:nvSpPr>
         <p:spPr>
           <a:xfrm>
-            <a:off x="525332" y="338737"/>
-            <a:ext cx="3472749" cy="409576"/>
-          </a:xfrm>
-          <a:noFill/>
-          <a:ln>
-            <a:noFill/>
-          </a:ln>
+            <a:off x="306533" y="285226"/>
+            <a:ext cx="3472749" cy="471343"/>
+          </a:xfrm>
+          <a:ln/>
         </p:spPr>
         <p:style>
-          <a:lnRef idx="1">
-            <a:schemeClr val="accent1"/>
+          <a:lnRef idx="0">
+            <a:schemeClr val="dk1"/>
           </a:lnRef>
           <a:fillRef idx="3">
-            <a:schemeClr val="accent1"/>
+            <a:schemeClr val="dk1"/>
           </a:fillRef>
-          <a:effectRef idx="2">
-            <a:schemeClr val="accent1"/>
+          <a:effectRef idx="3">
+            <a:schemeClr val="dk1"/>
           </a:effectRef>
           <a:fontRef idx="minor">
             <a:schemeClr val="lt1"/>
@@ -8855,8 +8954,8 @@
         </p:nvSpPr>
         <p:spPr>
           <a:xfrm>
-            <a:off x="268345" y="4359231"/>
-            <a:ext cx="8607309" cy="1569660"/>
+            <a:off x="3850692" y="4289383"/>
+            <a:ext cx="4973267" cy="2739211"/>
           </a:xfrm>
           <a:prstGeom prst="rect">
             <a:avLst/>
@@ -8869,30 +8968,37 @@
           </a:bodyPr>
           <a:lstStyle/>
           <a:p>
+            <a:pPr marL="285750" indent="-285750">
+              <a:buFont typeface="Arial" panose="020B0604020202020204" pitchFamily="34" charset="0"/>
+              <a:buChar char="•"/>
+            </a:pPr>
             <a:r>
               <a:rPr lang="en-IN" sz="1600" dirty="0"/>
-              <a:t>Raw data from ERP system of Expenditure on Electrical maintenance </a:t>
-            </a:r>
-            <a:r>
-              <a:rPr lang="en-IN" sz="1600" dirty="0" err="1"/>
-              <a:t>equipments</a:t>
-            </a:r>
-            <a:r>
-              <a:rPr lang="en-IN" sz="1600" dirty="0"/>
-              <a:t> over past 3 years of my department was  exported in excel, pre-processing includes filtering raw data for my section(F&amp;D) and deleting non electrical items.</a:t>
-            </a:r>
-          </a:p>
-          <a:p>
+              <a:t>Raw data from ERP system of Expenditure  and store incoming/outgoing records of Electrical maintenance equipment over past 3 years of my department was exported in excel, pre-processing includes filtering/converting raw data and deleting non electrical items.</a:t>
+            </a:r>
+          </a:p>
+          <a:p>
+            <a:pPr marL="285750" indent="-285750">
+              <a:buFont typeface="Arial" panose="020B0604020202020204" pitchFamily="34" charset="0"/>
+              <a:buChar char="•"/>
+            </a:pPr>
+            <a:endParaRPr lang="en-IN" sz="1600" dirty="0"/>
+          </a:p>
+          <a:p>
+            <a:pPr marL="285750" indent="-285750">
+              <a:buFont typeface="Arial" panose="020B0604020202020204" pitchFamily="34" charset="0"/>
+              <a:buChar char="•"/>
+            </a:pPr>
             <a:r>
               <a:rPr lang="en-GB" sz="1600" dirty="0"/>
-              <a:t>I learned and used GitHub for working on my project from both home and office.</a:t>
-            </a:r>
-          </a:p>
-          <a:p>
-            <a:endParaRPr lang="en-GB" sz="1600" dirty="0"/>
-          </a:p>
-          <a:p>
-            <a:endParaRPr lang="en-IN" sz="1600" dirty="0"/>
+              <a:t>I learned and used GitHub  to maintain and work on my project from both home and office.</a:t>
+            </a:r>
+          </a:p>
+          <a:p>
+            <a:endParaRPr lang="en-GB" sz="1400" dirty="0"/>
+          </a:p>
+          <a:p>
+            <a:endParaRPr lang="en-IN" sz="1400" dirty="0"/>
           </a:p>
         </p:txBody>
       </p:sp>
@@ -8933,6 +9039,153 @@
           <a:p>
             <a:pPr algn="ctr"/>
             <a:endParaRPr lang="en-IN"/>
+          </a:p>
+        </p:txBody>
+      </p:sp>
+      <p:pic>
+        <p:nvPicPr>
+          <p:cNvPr id="7" name="Picture 6">
+            <a:extLst>
+              <a:ext uri="{FF2B5EF4-FFF2-40B4-BE49-F238E27FC236}">
+                <a16:creationId xmlns:a16="http://schemas.microsoft.com/office/drawing/2014/main" id="{224F3D7C-859D-49A6-8ACE-89FB236472FE}"/>
+              </a:ext>
+            </a:extLst>
+          </p:cNvPr>
+          <p:cNvPicPr>
+            <a:picLocks noChangeAspect="1"/>
+          </p:cNvPicPr>
+          <p:nvPr/>
+        </p:nvPicPr>
+        <p:blipFill rotWithShape="1">
+          <a:blip r:embed="rId5"/>
+          <a:srcRect l="515" r="-515" b="11067"/>
+          <a:stretch/>
+        </p:blipFill>
+        <p:spPr>
+          <a:xfrm>
+            <a:off x="130749" y="4572544"/>
+            <a:ext cx="3413897" cy="2172890"/>
+          </a:xfrm>
+          <a:prstGeom prst="rect">
+            <a:avLst/>
+          </a:prstGeom>
+          <a:ln>
+            <a:noFill/>
+          </a:ln>
+          <a:effectLst>
+            <a:outerShdw blurRad="292100" dist="139700" dir="2700000" algn="tl" rotWithShape="0">
+              <a:srgbClr val="333333">
+                <a:alpha val="65000"/>
+              </a:srgbClr>
+            </a:outerShdw>
+          </a:effectLst>
+        </p:spPr>
+      </p:pic>
+      <p:sp>
+        <p:nvSpPr>
+          <p:cNvPr id="19" name="Rectangle: Rounded Corners 18">
+            <a:extLst>
+              <a:ext uri="{FF2B5EF4-FFF2-40B4-BE49-F238E27FC236}">
+                <a16:creationId xmlns:a16="http://schemas.microsoft.com/office/drawing/2014/main" id="{6F5A17AE-96D5-40EF-87A4-49BA77E811B2}"/>
+              </a:ext>
+            </a:extLst>
+          </p:cNvPr>
+          <p:cNvSpPr/>
+          <p:nvPr/>
+        </p:nvSpPr>
+        <p:spPr>
+          <a:xfrm>
+            <a:off x="457478" y="4179877"/>
+            <a:ext cx="2595130" cy="288347"/>
+          </a:xfrm>
+          <a:prstGeom prst="roundRect">
+            <a:avLst/>
+          </a:prstGeom>
+        </p:spPr>
+        <p:style>
+          <a:lnRef idx="1">
+            <a:schemeClr val="accent1"/>
+          </a:lnRef>
+          <a:fillRef idx="2">
+            <a:schemeClr val="accent1"/>
+          </a:fillRef>
+          <a:effectRef idx="1">
+            <a:schemeClr val="accent1"/>
+          </a:effectRef>
+          <a:fontRef idx="minor">
+            <a:schemeClr val="dk1"/>
+          </a:fontRef>
+        </p:style>
+        <p:txBody>
+          <a:bodyPr rtlCol="0" anchor="ctr"/>
+          <a:lstStyle/>
+          <a:p>
+            <a:pPr algn="ctr"/>
+            <a:r>
+              <a:rPr lang="en-IN" sz="1350" dirty="0">
+                <a:ln w="0"/>
+                <a:solidFill>
+                  <a:schemeClr val="bg1">
+                    <a:lumMod val="95000"/>
+                    <a:lumOff val="5000"/>
+                  </a:schemeClr>
+                </a:solidFill>
+                <a:effectLst>
+                  <a:outerShdw blurRad="38100" dist="19050" dir="2700000" algn="tl" rotWithShape="0">
+                    <a:schemeClr val="dk1">
+                      <a:alpha val="40000"/>
+                    </a:schemeClr>
+                  </a:outerShdw>
+                </a:effectLst>
+              </a:rPr>
+              <a:t>RAW DATA FROM STORE </a:t>
+            </a:r>
+          </a:p>
+        </p:txBody>
+      </p:sp>
+      <p:sp>
+        <p:nvSpPr>
+          <p:cNvPr id="20" name="Right Arrow 9">
+            <a:extLst>
+              <a:ext uri="{FF2B5EF4-FFF2-40B4-BE49-F238E27FC236}">
+                <a16:creationId xmlns:a16="http://schemas.microsoft.com/office/drawing/2014/main" id="{C4BC86D5-F05A-4CC6-930D-16E7CC8D6706}"/>
+              </a:ext>
+            </a:extLst>
+          </p:cNvPr>
+          <p:cNvSpPr/>
+          <p:nvPr/>
+        </p:nvSpPr>
+        <p:spPr>
+          <a:xfrm rot="18780265">
+            <a:off x="3278009" y="4213999"/>
+            <a:ext cx="261950" cy="221284"/>
+          </a:xfrm>
+          <a:prstGeom prst="rightArrow">
+            <a:avLst/>
+          </a:prstGeom>
+        </p:spPr>
+        <p:style>
+          <a:lnRef idx="2">
+            <a:schemeClr val="dk1">
+              <a:shade val="50000"/>
+            </a:schemeClr>
+          </a:lnRef>
+          <a:fillRef idx="1">
+            <a:schemeClr val="dk1"/>
+          </a:fillRef>
+          <a:effectRef idx="0">
+            <a:schemeClr val="dk1"/>
+          </a:effectRef>
+          <a:fontRef idx="minor">
+            <a:schemeClr val="lt1"/>
+          </a:fontRef>
+        </p:style>
+        <p:txBody>
+          <a:bodyPr rtlCol="0" anchor="ctr"/>
+          <a:lstStyle/>
+          <a:p>
+            <a:pPr algn="ctr"/>
+            <a:endParaRPr lang="en-IN" sz="1350"/>
           </a:p>
         </p:txBody>
       </p:sp>
@@ -9014,13 +9267,27 @@
         </p:nvSpPr>
         <p:spPr>
           <a:xfrm>
-            <a:off x="360806" y="101317"/>
+            <a:off x="352417" y="155114"/>
             <a:ext cx="6740917" cy="455986"/>
           </a:xfrm>
         </p:spPr>
+        <p:style>
+          <a:lnRef idx="1">
+            <a:schemeClr val="dk1"/>
+          </a:lnRef>
+          <a:fillRef idx="3">
+            <a:schemeClr val="dk1"/>
+          </a:fillRef>
+          <a:effectRef idx="2">
+            <a:schemeClr val="dk1"/>
+          </a:effectRef>
+          <a:fontRef idx="minor">
+            <a:schemeClr val="lt1"/>
+          </a:fontRef>
+        </p:style>
         <p:txBody>
           <a:bodyPr>
-            <a:normAutofit/>
+            <a:normAutofit fontScale="90000"/>
           </a:bodyPr>
           <a:lstStyle/>
           <a:p>
@@ -9029,11 +9296,13 @@
                 <a:solidFill>
                   <a:srgbClr val="FFFFFF"/>
                 </a:solidFill>
-                <a:latin typeface="Roboto" panose="020B0604020202020204" pitchFamily="2" charset="0"/>
+                <a:latin typeface="Arial Rounded MT Bold" panose="020F0704030504030204" pitchFamily="34" charset="0"/>
               </a:rPr>
               <a:t>Analysis (Graphs and Charts) and interpretation</a:t>
             </a:r>
-            <a:endParaRPr lang="en-IN" sz="2400" dirty="0"/>
+            <a:endParaRPr lang="en-IN" sz="2400" dirty="0">
+              <a:latin typeface="Arial Rounded MT Bold" panose="020F0704030504030204" pitchFamily="34" charset="0"/>
+            </a:endParaRPr>
           </a:p>
         </p:txBody>
       </p:sp>
@@ -9059,8 +9328,8 @@
         </p:blipFill>
         <p:spPr>
           <a:xfrm>
-            <a:off x="485692" y="1160726"/>
-            <a:ext cx="3650879" cy="2457715"/>
+            <a:off x="352417" y="977323"/>
+            <a:ext cx="3732464" cy="2512637"/>
           </a:xfrm>
           <a:prstGeom prst="rect">
             <a:avLst/>
@@ -9069,7 +9338,13 @@
       </p:pic>
       <p:pic>
         <p:nvPicPr>
-          <p:cNvPr id="4" name="Picture 3"/>
+          <p:cNvPr id="17" name="Picture 16">
+            <a:extLst>
+              <a:ext uri="{FF2B5EF4-FFF2-40B4-BE49-F238E27FC236}">
+                <a16:creationId xmlns:a16="http://schemas.microsoft.com/office/drawing/2014/main" id="{62738A49-9F6B-446A-A101-2AAE1EDAD8A5}"/>
+              </a:ext>
+            </a:extLst>
+          </p:cNvPr>
           <p:cNvPicPr>
             <a:picLocks noChangeAspect="1"/>
           </p:cNvPicPr>
@@ -9083,17 +9358,26 @@
         </p:blipFill>
         <p:spPr>
           <a:xfrm>
-            <a:off x="621918" y="4117248"/>
-            <a:ext cx="3514653" cy="2366010"/>
+            <a:off x="216538" y="4245474"/>
+            <a:ext cx="4389856" cy="2268797"/>
           </a:xfrm>
           <a:prstGeom prst="rect">
             <a:avLst/>
           </a:prstGeom>
+          <a:solidFill>
+            <a:schemeClr val="tx1"/>
+          </a:solidFill>
         </p:spPr>
       </p:pic>
       <p:pic>
         <p:nvPicPr>
-          <p:cNvPr id="7" name="Picture 6"/>
+          <p:cNvPr id="27" name="Picture 26">
+            <a:extLst>
+              <a:ext uri="{FF2B5EF4-FFF2-40B4-BE49-F238E27FC236}">
+                <a16:creationId xmlns:a16="http://schemas.microsoft.com/office/drawing/2014/main" id="{669D2D69-F26D-47C3-A320-6220DE9D538A}"/>
+              </a:ext>
+            </a:extLst>
+          </p:cNvPr>
           <p:cNvPicPr>
             <a:picLocks noChangeAspect="1"/>
           </p:cNvPicPr>
@@ -9107,8 +9391,8 @@
         </p:blipFill>
         <p:spPr>
           <a:xfrm>
-            <a:off x="4287182" y="1259612"/>
-            <a:ext cx="4656409" cy="2259941"/>
+            <a:off x="4187223" y="1366614"/>
+            <a:ext cx="4839329" cy="2002030"/>
           </a:xfrm>
           <a:prstGeom prst="rect">
             <a:avLst/>
@@ -9118,33 +9402,189 @@
           </a:solidFill>
         </p:spPr>
       </p:pic>
-      <p:pic>
-        <p:nvPicPr>
-          <p:cNvPr id="13" name="Picture 12"/>
-          <p:cNvPicPr>
-            <a:picLocks noChangeAspect="1"/>
-          </p:cNvPicPr>
+      <p:sp>
+        <p:nvSpPr>
+          <p:cNvPr id="28" name="Rectangle: Rounded Corners 27">
+            <a:extLst>
+              <a:ext uri="{FF2B5EF4-FFF2-40B4-BE49-F238E27FC236}">
+                <a16:creationId xmlns:a16="http://schemas.microsoft.com/office/drawing/2014/main" id="{1588C9F3-0F98-4BAD-A755-07C9E8335095}"/>
+              </a:ext>
+            </a:extLst>
+          </p:cNvPr>
+          <p:cNvSpPr/>
           <p:nvPr/>
-        </p:nvPicPr>
-        <p:blipFill>
-          <a:blip r:embed="rId5"/>
-          <a:stretch>
-            <a:fillRect/>
-          </a:stretch>
-        </p:blipFill>
-        <p:spPr>
-          <a:xfrm>
-            <a:off x="4316435" y="4353605"/>
-            <a:ext cx="4597901" cy="1893295"/>
+        </p:nvSpPr>
+        <p:spPr>
+          <a:xfrm>
+            <a:off x="4606394" y="1000391"/>
+            <a:ext cx="4000989" cy="276836"/>
+          </a:xfrm>
+          <a:prstGeom prst="roundRect">
+            <a:avLst/>
+          </a:prstGeom>
+          <a:solidFill>
+            <a:schemeClr val="bg2">
+              <a:lumMod val="20000"/>
+              <a:lumOff val="80000"/>
+            </a:schemeClr>
+          </a:solidFill>
+        </p:spPr>
+        <p:style>
+          <a:lnRef idx="2">
+            <a:schemeClr val="accent1">
+              <a:shade val="50000"/>
+            </a:schemeClr>
+          </a:lnRef>
+          <a:fillRef idx="1">
+            <a:schemeClr val="accent1"/>
+          </a:fillRef>
+          <a:effectRef idx="0">
+            <a:schemeClr val="accent1"/>
+          </a:effectRef>
+          <a:fontRef idx="minor">
+            <a:schemeClr val="lt1"/>
+          </a:fontRef>
+        </p:style>
+        <p:txBody>
+          <a:bodyPr rtlCol="0" anchor="ctr"/>
+          <a:lstStyle/>
+          <a:p>
+            <a:pPr algn="ctr"/>
+            <a:r>
+              <a:rPr lang="en-IN" dirty="0">
+                <a:solidFill>
+                  <a:schemeClr val="bg1"/>
+                </a:solidFill>
+              </a:rPr>
+              <a:t>Top items in first quadrant</a:t>
+            </a:r>
+          </a:p>
+        </p:txBody>
+      </p:sp>
+      <p:sp>
+        <p:nvSpPr>
+          <p:cNvPr id="38" name="Rectangle: Rounded Corners 37">
+            <a:extLst>
+              <a:ext uri="{FF2B5EF4-FFF2-40B4-BE49-F238E27FC236}">
+                <a16:creationId xmlns:a16="http://schemas.microsoft.com/office/drawing/2014/main" id="{EB1C1B3A-7E07-4554-BA02-0C49F5C7CCC9}"/>
+              </a:ext>
+            </a:extLst>
+          </p:cNvPr>
+          <p:cNvSpPr/>
+          <p:nvPr/>
+        </p:nvSpPr>
+        <p:spPr>
+          <a:xfrm>
+            <a:off x="233735" y="3856183"/>
+            <a:ext cx="4355461" cy="276836"/>
+          </a:xfrm>
+          <a:prstGeom prst="roundRect">
+            <a:avLst/>
+          </a:prstGeom>
+          <a:solidFill>
+            <a:schemeClr val="bg2">
+              <a:lumMod val="20000"/>
+              <a:lumOff val="80000"/>
+            </a:schemeClr>
+          </a:solidFill>
+        </p:spPr>
+        <p:style>
+          <a:lnRef idx="2">
+            <a:schemeClr val="accent1">
+              <a:shade val="50000"/>
+            </a:schemeClr>
+          </a:lnRef>
+          <a:fillRef idx="1">
+            <a:schemeClr val="accent1"/>
+          </a:fillRef>
+          <a:effectRef idx="0">
+            <a:schemeClr val="accent1"/>
+          </a:effectRef>
+          <a:fontRef idx="minor">
+            <a:schemeClr val="lt1"/>
+          </a:fontRef>
+        </p:style>
+        <p:txBody>
+          <a:bodyPr rtlCol="0" anchor="ctr"/>
+          <a:lstStyle/>
+          <a:p>
+            <a:pPr algn="ctr"/>
+            <a:r>
+              <a:rPr lang="en-IN" dirty="0">
+                <a:solidFill>
+                  <a:schemeClr val="bg1"/>
+                </a:solidFill>
+              </a:rPr>
+              <a:t>Top items in store outgoing records.</a:t>
+            </a:r>
+          </a:p>
+        </p:txBody>
+      </p:sp>
+      <p:sp>
+        <p:nvSpPr>
+          <p:cNvPr id="40" name="TextBox 39">
+            <a:extLst>
+              <a:ext uri="{FF2B5EF4-FFF2-40B4-BE49-F238E27FC236}">
+                <a16:creationId xmlns:a16="http://schemas.microsoft.com/office/drawing/2014/main" id="{B81BB76C-C8D6-4DE6-9F3E-7EBE54AB8C63}"/>
+              </a:ext>
+            </a:extLst>
+          </p:cNvPr>
+          <p:cNvSpPr txBox="1"/>
+          <p:nvPr/>
+        </p:nvSpPr>
+        <p:spPr>
+          <a:xfrm>
+            <a:off x="4857226" y="3856183"/>
+            <a:ext cx="4053039" cy="2308324"/>
           </a:xfrm>
           <a:prstGeom prst="rect">
             <a:avLst/>
           </a:prstGeom>
-          <a:solidFill>
-            <a:schemeClr val="tx1"/>
-          </a:solidFill>
-        </p:spPr>
-      </p:pic>
+          <a:noFill/>
+        </p:spPr>
+        <p:txBody>
+          <a:bodyPr wrap="square" rtlCol="0">
+            <a:spAutoFit/>
+          </a:bodyPr>
+          <a:lstStyle/>
+          <a:p>
+            <a:pPr marL="285750" indent="-285750">
+              <a:buFont typeface="Arial" panose="020B0604020202020204" pitchFamily="34" charset="0"/>
+              <a:buChar char="•"/>
+            </a:pPr>
+            <a:r>
+              <a:rPr lang="en-IN" sz="1600" dirty="0"/>
+              <a:t>From 1</a:t>
+            </a:r>
+            <a:r>
+              <a:rPr lang="en-IN" sz="1600" baseline="30000" dirty="0"/>
+              <a:t>st</a:t>
+            </a:r>
+            <a:r>
+              <a:rPr lang="en-IN" sz="1600" dirty="0"/>
+              <a:t> quadrant of portfolio analysis that is plotting volume of items bought vs per unit price and then dividing regions using median of data, we get </a:t>
+            </a:r>
+            <a:r>
+              <a:rPr lang="en-IN" sz="1600" dirty="0" err="1"/>
+              <a:t>get</a:t>
+            </a:r>
+            <a:r>
+              <a:rPr lang="en-IN" sz="1600" dirty="0"/>
+              <a:t> an approximation of items which fail most often.</a:t>
+            </a:r>
+          </a:p>
+          <a:p>
+            <a:pPr marL="285750" indent="-285750">
+              <a:buFont typeface="Arial" panose="020B0604020202020204" pitchFamily="34" charset="0"/>
+              <a:buChar char="•"/>
+            </a:pPr>
+            <a:r>
+              <a:rPr lang="en-IN" sz="1600" dirty="0"/>
+              <a:t>We can also verify this result by analysing the data of store outgoing stock.</a:t>
+            </a:r>
+          </a:p>
+        </p:txBody>
+      </p:sp>
     </p:spTree>
     <p:extLst>
       <p:ext uri="{BB962C8B-B14F-4D97-AF65-F5344CB8AC3E}">
@@ -9223,13 +9663,27 @@
         </p:nvSpPr>
         <p:spPr>
           <a:xfrm>
-            <a:off x="385332" y="420976"/>
+            <a:off x="334130" y="162042"/>
             <a:ext cx="6740917" cy="455986"/>
           </a:xfrm>
         </p:spPr>
+        <p:style>
+          <a:lnRef idx="1">
+            <a:schemeClr val="dk1"/>
+          </a:lnRef>
+          <a:fillRef idx="3">
+            <a:schemeClr val="dk1"/>
+          </a:fillRef>
+          <a:effectRef idx="2">
+            <a:schemeClr val="dk1"/>
+          </a:effectRef>
+          <a:fontRef idx="minor">
+            <a:schemeClr val="lt1"/>
+          </a:fontRef>
+        </p:style>
         <p:txBody>
           <a:bodyPr>
-            <a:normAutofit/>
+            <a:normAutofit fontScale="90000"/>
           </a:bodyPr>
           <a:lstStyle/>
           <a:p>
@@ -9238,11 +9692,13 @@
                 <a:solidFill>
                   <a:srgbClr val="FFFFFF"/>
                 </a:solidFill>
-                <a:latin typeface="Roboto" panose="020B0604020202020204" pitchFamily="2" charset="0"/>
+                <a:latin typeface="Arial Rounded MT Bold" panose="020F0704030504030204" pitchFamily="34" charset="0"/>
               </a:rPr>
               <a:t>Analysis (Graphs and Charts) and interpretation</a:t>
             </a:r>
-            <a:endParaRPr lang="en-IN" sz="2400" dirty="0"/>
+            <a:endParaRPr lang="en-IN" sz="2400" dirty="0">
+              <a:latin typeface="Arial Rounded MT Bold" panose="020F0704030504030204" pitchFamily="34" charset="0"/>
+            </a:endParaRPr>
           </a:p>
         </p:txBody>
       </p:sp>
@@ -9260,16 +9716,15 @@
           </p:cNvPicPr>
           <p:nvPr/>
         </p:nvPicPr>
-        <p:blipFill>
+        <p:blipFill rotWithShape="1">
           <a:blip r:embed="rId2"/>
-          <a:stretch>
-            <a:fillRect/>
-          </a:stretch>
+          <a:srcRect b="38503"/>
+          <a:stretch/>
         </p:blipFill>
         <p:spPr>
           <a:xfrm>
-            <a:off x="385332" y="1599237"/>
-            <a:ext cx="4702629" cy="4529847"/>
+            <a:off x="4193827" y="1971819"/>
+            <a:ext cx="4859506" cy="2482590"/>
           </a:xfrm>
           <a:prstGeom prst="rect">
             <a:avLst/>
@@ -9291,6 +9746,273 @@
           </a:effectLst>
         </p:spPr>
       </p:pic>
+      <p:sp>
+        <p:nvSpPr>
+          <p:cNvPr id="3" name="TextBox 2">
+            <a:extLst>
+              <a:ext uri="{FF2B5EF4-FFF2-40B4-BE49-F238E27FC236}">
+                <a16:creationId xmlns:a16="http://schemas.microsoft.com/office/drawing/2014/main" id="{CC7CED8D-22F6-48DC-87DA-1837D0CF9E00}"/>
+              </a:ext>
+            </a:extLst>
+          </p:cNvPr>
+          <p:cNvSpPr txBox="1"/>
+          <p:nvPr/>
+        </p:nvSpPr>
+        <p:spPr>
+          <a:xfrm>
+            <a:off x="595618" y="998290"/>
+            <a:ext cx="7684316" cy="830997"/>
+          </a:xfrm>
+          <a:prstGeom prst="rect">
+            <a:avLst/>
+          </a:prstGeom>
+          <a:noFill/>
+        </p:spPr>
+        <p:txBody>
+          <a:bodyPr wrap="square" rtlCol="0">
+            <a:spAutoFit/>
+          </a:bodyPr>
+          <a:lstStyle/>
+          <a:p>
+            <a:r>
+              <a:rPr lang="en-IN" sz="1600" dirty="0"/>
+              <a:t>Looking at expenditure distribution from a different metric that is Average Days of order which is the average number of days between successive order, we find that temperature stickers are being used excessively.</a:t>
+            </a:r>
+          </a:p>
+        </p:txBody>
+      </p:sp>
+      <p:pic>
+        <p:nvPicPr>
+          <p:cNvPr id="5" name="Picture 4">
+            <a:extLst>
+              <a:ext uri="{FF2B5EF4-FFF2-40B4-BE49-F238E27FC236}">
+                <a16:creationId xmlns:a16="http://schemas.microsoft.com/office/drawing/2014/main" id="{F1DCBA70-E9AA-4F03-9913-87F866B78B37}"/>
+              </a:ext>
+            </a:extLst>
+          </p:cNvPr>
+          <p:cNvPicPr>
+            <a:picLocks noChangeAspect="1"/>
+          </p:cNvPicPr>
+          <p:nvPr/>
+        </p:nvPicPr>
+        <p:blipFill>
+          <a:blip r:embed="rId3"/>
+          <a:stretch>
+            <a:fillRect/>
+          </a:stretch>
+        </p:blipFill>
+        <p:spPr>
+          <a:xfrm>
+            <a:off x="410499" y="1963284"/>
+            <a:ext cx="3514653" cy="2482591"/>
+          </a:xfrm>
+          <a:prstGeom prst="rect">
+            <a:avLst/>
+          </a:prstGeom>
+          <a:solidFill>
+            <a:srgbClr val="FFFFFF">
+              <a:shade val="85000"/>
+            </a:srgbClr>
+          </a:solidFill>
+          <a:ln w="88900" cap="sq">
+            <a:noFill/>
+            <a:miter lim="800000"/>
+          </a:ln>
+          <a:effectLst>
+            <a:outerShdw blurRad="55000" dist="18000" dir="5400000" algn="tl" rotWithShape="0">
+              <a:srgbClr val="000000">
+                <a:alpha val="40000"/>
+              </a:srgbClr>
+            </a:outerShdw>
+          </a:effectLst>
+          <a:scene3d>
+            <a:camera prst="orthographicFront"/>
+            <a:lightRig rig="twoPt" dir="t">
+              <a:rot lat="0" lon="0" rev="7200000"/>
+            </a:lightRig>
+          </a:scene3d>
+          <a:sp3d>
+            <a:bevelT w="25400" h="19050"/>
+            <a:contourClr>
+              <a:srgbClr val="FFFFFF"/>
+            </a:contourClr>
+          </a:sp3d>
+        </p:spPr>
+      </p:pic>
+      <p:pic>
+        <p:nvPicPr>
+          <p:cNvPr id="7" name="Picture 6">
+            <a:extLst>
+              <a:ext uri="{FF2B5EF4-FFF2-40B4-BE49-F238E27FC236}">
+                <a16:creationId xmlns:a16="http://schemas.microsoft.com/office/drawing/2014/main" id="{27F4AC70-B852-4062-B061-A3C0555182B0}"/>
+              </a:ext>
+            </a:extLst>
+          </p:cNvPr>
+          <p:cNvPicPr>
+            <a:picLocks noChangeAspect="1"/>
+          </p:cNvPicPr>
+          <p:nvPr/>
+        </p:nvPicPr>
+        <p:blipFill>
+          <a:blip r:embed="rId4"/>
+          <a:stretch>
+            <a:fillRect/>
+          </a:stretch>
+        </p:blipFill>
+        <p:spPr>
+          <a:xfrm>
+            <a:off x="1941184" y="4726511"/>
+            <a:ext cx="4731787" cy="1893295"/>
+          </a:xfrm>
+          <a:prstGeom prst="rect">
+            <a:avLst/>
+          </a:prstGeom>
+          <a:solidFill>
+            <a:schemeClr val="tx1"/>
+          </a:solidFill>
+        </p:spPr>
+      </p:pic>
+      <p:sp>
+        <p:nvSpPr>
+          <p:cNvPr id="4" name="Oval 3" descr="1&#10;">
+            <a:extLst>
+              <a:ext uri="{FF2B5EF4-FFF2-40B4-BE49-F238E27FC236}">
+                <a16:creationId xmlns:a16="http://schemas.microsoft.com/office/drawing/2014/main" id="{689ACA10-934B-4AB0-A0C9-ADDA43FD50A9}"/>
+              </a:ext>
+            </a:extLst>
+          </p:cNvPr>
+          <p:cNvSpPr/>
+          <p:nvPr/>
+        </p:nvSpPr>
+        <p:spPr>
+          <a:xfrm>
+            <a:off x="137856" y="1778581"/>
+            <a:ext cx="226503" cy="221768"/>
+          </a:xfrm>
+          <a:prstGeom prst="ellipse">
+            <a:avLst/>
+          </a:prstGeom>
+        </p:spPr>
+        <p:style>
+          <a:lnRef idx="2">
+            <a:schemeClr val="dk1"/>
+          </a:lnRef>
+          <a:fillRef idx="1">
+            <a:schemeClr val="lt1"/>
+          </a:fillRef>
+          <a:effectRef idx="0">
+            <a:schemeClr val="dk1"/>
+          </a:effectRef>
+          <a:fontRef idx="minor">
+            <a:schemeClr val="dk1"/>
+          </a:fontRef>
+        </p:style>
+        <p:txBody>
+          <a:bodyPr rtlCol="0" anchor="ctr"/>
+          <a:lstStyle/>
+          <a:p>
+            <a:pPr algn="ctr"/>
+            <a:r>
+              <a:rPr lang="en-IN" dirty="0"/>
+              <a:t>1</a:t>
+            </a:r>
+          </a:p>
+        </p:txBody>
+      </p:sp>
+      <p:sp>
+        <p:nvSpPr>
+          <p:cNvPr id="8" name="Oval 7">
+            <a:extLst>
+              <a:ext uri="{FF2B5EF4-FFF2-40B4-BE49-F238E27FC236}">
+                <a16:creationId xmlns:a16="http://schemas.microsoft.com/office/drawing/2014/main" id="{9FA7A266-E81D-4A8A-B575-A292F719C275}"/>
+              </a:ext>
+            </a:extLst>
+          </p:cNvPr>
+          <p:cNvSpPr/>
+          <p:nvPr/>
+        </p:nvSpPr>
+        <p:spPr>
+          <a:xfrm>
+            <a:off x="4043159" y="1795359"/>
+            <a:ext cx="226503" cy="221768"/>
+          </a:xfrm>
+          <a:prstGeom prst="ellipse">
+            <a:avLst/>
+          </a:prstGeom>
+        </p:spPr>
+        <p:style>
+          <a:lnRef idx="2">
+            <a:schemeClr val="dk1"/>
+          </a:lnRef>
+          <a:fillRef idx="1">
+            <a:schemeClr val="lt1"/>
+          </a:fillRef>
+          <a:effectRef idx="0">
+            <a:schemeClr val="dk1"/>
+          </a:effectRef>
+          <a:fontRef idx="minor">
+            <a:schemeClr val="dk1"/>
+          </a:fontRef>
+        </p:style>
+        <p:txBody>
+          <a:bodyPr rtlCol="0" anchor="ctr"/>
+          <a:lstStyle/>
+          <a:p>
+            <a:pPr algn="ctr"/>
+            <a:r>
+              <a:rPr lang="en-IN" dirty="0"/>
+              <a:t>2</a:t>
+            </a:r>
+          </a:p>
+        </p:txBody>
+      </p:sp>
+      <p:sp>
+        <p:nvSpPr>
+          <p:cNvPr id="9" name="Oval 8">
+            <a:extLst>
+              <a:ext uri="{FF2B5EF4-FFF2-40B4-BE49-F238E27FC236}">
+                <a16:creationId xmlns:a16="http://schemas.microsoft.com/office/drawing/2014/main" id="{6BADB95F-A109-464A-B31C-3B60D5C1DE14}"/>
+              </a:ext>
+            </a:extLst>
+          </p:cNvPr>
+          <p:cNvSpPr/>
+          <p:nvPr/>
+        </p:nvSpPr>
+        <p:spPr>
+          <a:xfrm>
+            <a:off x="1785987" y="4588261"/>
+            <a:ext cx="226503" cy="221768"/>
+          </a:xfrm>
+          <a:prstGeom prst="ellipse">
+            <a:avLst/>
+          </a:prstGeom>
+        </p:spPr>
+        <p:style>
+          <a:lnRef idx="2">
+            <a:schemeClr val="dk1"/>
+          </a:lnRef>
+          <a:fillRef idx="1">
+            <a:schemeClr val="lt1"/>
+          </a:fillRef>
+          <a:effectRef idx="0">
+            <a:schemeClr val="dk1"/>
+          </a:effectRef>
+          <a:fontRef idx="minor">
+            <a:schemeClr val="dk1"/>
+          </a:fontRef>
+        </p:style>
+        <p:txBody>
+          <a:bodyPr rtlCol="0" anchor="ctr"/>
+          <a:lstStyle/>
+          <a:p>
+            <a:pPr algn="ctr"/>
+            <a:r>
+              <a:rPr lang="en-IN" dirty="0"/>
+              <a:t>3</a:t>
+            </a:r>
+          </a:p>
+        </p:txBody>
+      </p:sp>
     </p:spTree>
     <p:extLst>
       <p:ext uri="{BB962C8B-B14F-4D97-AF65-F5344CB8AC3E}">
@@ -9382,22 +10104,20 @@
           <a:p>
             <a:r>
               <a:rPr lang="en-IN" dirty="0"/>
-              <a:t>The question I wanted to answer was failure rate of which </a:t>
-            </a:r>
-            <a:r>
-              <a:rPr lang="en-IN" dirty="0" err="1"/>
-              <a:t>equipments</a:t>
-            </a:r>
+              <a:t>The failure rate of equipment/parts were higher for units being consumed continuously.</a:t>
+            </a:r>
+          </a:p>
+          <a:p>
             <a:r>
               <a:rPr lang="en-IN" dirty="0"/>
-              <a:t> were higher.</a:t>
-            </a:r>
-          </a:p>
-          <a:p>
-            <a:r>
-              <a:rPr lang="en-IN" dirty="0"/>
-              <a:t>To find which </a:t>
-            </a:r>
+              <a:t>To find which material is being excessively used in our area.</a:t>
+            </a:r>
+          </a:p>
+          <a:p>
+            <a:endParaRPr lang="en-IN" dirty="0"/>
+          </a:p>
+          <a:p>
+            <a:endParaRPr lang="en-IN" dirty="0"/>
           </a:p>
         </p:txBody>
       </p:sp>

--- a/MY CAPSTONE PROJECT-.pptx
+++ b/MY CAPSTONE PROJECT-.pptx
@@ -7439,7 +7439,7 @@
           </a:prstGeom>
           <a:extLst>
             <a:ext uri="{909E8E84-426E-40dd-AFC4-6F175D3DCCD1}">
-              <a14:hiddenFill xmlns="" xmlns:a14="http://schemas.microsoft.com/office/drawing/2010/main">
+              <a14:hiddenFill xmlns:a14="http://schemas.microsoft.com/office/drawing/2010/main" xmlns="">
                 <a:solidFill>
                   <a:srgbClr val="FFFFFF"/>
                 </a:solidFill>
@@ -8401,8 +8401,8 @@
         </p:blipFill>
         <p:spPr bwMode="auto">
           <a:xfrm>
-            <a:off x="4571999" y="2185962"/>
-            <a:ext cx="2937884" cy="1664801"/>
+            <a:off x="4511038" y="2185962"/>
+            <a:ext cx="3063241" cy="1664801"/>
           </a:xfrm>
           <a:prstGeom prst="rect">
             <a:avLst/>
@@ -9328,45 +9328,12 @@
         </p:blipFill>
         <p:spPr>
           <a:xfrm>
-            <a:off x="352417" y="977323"/>
+            <a:off x="360806" y="985712"/>
             <a:ext cx="3732464" cy="2512637"/>
           </a:xfrm>
           <a:prstGeom prst="rect">
             <a:avLst/>
           </a:prstGeom>
-        </p:spPr>
-      </p:pic>
-      <p:pic>
-        <p:nvPicPr>
-          <p:cNvPr id="17" name="Picture 16">
-            <a:extLst>
-              <a:ext uri="{FF2B5EF4-FFF2-40B4-BE49-F238E27FC236}">
-                <a16:creationId xmlns:a16="http://schemas.microsoft.com/office/drawing/2014/main" id="{62738A49-9F6B-446A-A101-2AAE1EDAD8A5}"/>
-              </a:ext>
-            </a:extLst>
-          </p:cNvPr>
-          <p:cNvPicPr>
-            <a:picLocks noChangeAspect="1"/>
-          </p:cNvPicPr>
-          <p:nvPr/>
-        </p:nvPicPr>
-        <p:blipFill>
-          <a:blip r:embed="rId3"/>
-          <a:stretch>
-            <a:fillRect/>
-          </a:stretch>
-        </p:blipFill>
-        <p:spPr>
-          <a:xfrm>
-            <a:off x="216538" y="4245474"/>
-            <a:ext cx="4389856" cy="2268797"/>
-          </a:xfrm>
-          <a:prstGeom prst="rect">
-            <a:avLst/>
-          </a:prstGeom>
-          <a:solidFill>
-            <a:schemeClr val="tx1"/>
-          </a:solidFill>
         </p:spPr>
       </p:pic>
       <p:pic>
@@ -9384,14 +9351,14 @@
           <p:nvPr/>
         </p:nvPicPr>
         <p:blipFill>
-          <a:blip r:embed="rId4"/>
+          <a:blip r:embed="rId3"/>
           <a:stretch>
             <a:fillRect/>
           </a:stretch>
         </p:blipFill>
         <p:spPr>
           <a:xfrm>
-            <a:off x="4187223" y="1366614"/>
+            <a:off x="4187223" y="1419508"/>
             <a:ext cx="4839329" cy="2002030"/>
           </a:xfrm>
           <a:prstGeom prst="rect">
@@ -9534,8 +9501,8 @@
         </p:nvSpPr>
         <p:spPr>
           <a:xfrm>
-            <a:off x="4857226" y="3856183"/>
-            <a:ext cx="4053039" cy="2308324"/>
+            <a:off x="4605558" y="3856183"/>
+            <a:ext cx="4304707" cy="2308324"/>
           </a:xfrm>
           <a:prstGeom prst="rect">
             <a:avLst/>
@@ -9580,7 +9547,125 @@
             </a:pPr>
             <a:r>
               <a:rPr lang="en-IN" sz="1600" dirty="0"/>
-              <a:t>We can also verify this result by analysing the data of store outgoing stock.</a:t>
+              <a:t>We can also verify this result by analysing the data of store outgoing stock entered manually by the store keeper.</a:t>
+            </a:r>
+          </a:p>
+        </p:txBody>
+      </p:sp>
+      <p:pic>
+        <p:nvPicPr>
+          <p:cNvPr id="5" name="Picture 4">
+            <a:extLst>
+              <a:ext uri="{FF2B5EF4-FFF2-40B4-BE49-F238E27FC236}">
+                <a16:creationId xmlns:a16="http://schemas.microsoft.com/office/drawing/2014/main" id="{63D51521-BFCC-48EA-AFB0-FACC8C65C2B7}"/>
+              </a:ext>
+            </a:extLst>
+          </p:cNvPr>
+          <p:cNvPicPr>
+            <a:picLocks noChangeAspect="1"/>
+          </p:cNvPicPr>
+          <p:nvPr/>
+        </p:nvPicPr>
+        <p:blipFill>
+          <a:blip r:embed="rId4"/>
+          <a:stretch>
+            <a:fillRect/>
+          </a:stretch>
+        </p:blipFill>
+        <p:spPr>
+          <a:xfrm>
+            <a:off x="311925" y="4245474"/>
+            <a:ext cx="4226519" cy="2044199"/>
+          </a:xfrm>
+          <a:prstGeom prst="rect">
+            <a:avLst/>
+          </a:prstGeom>
+          <a:solidFill>
+            <a:schemeClr val="tx1"/>
+          </a:solidFill>
+        </p:spPr>
+      </p:pic>
+      <p:sp>
+        <p:nvSpPr>
+          <p:cNvPr id="6" name="TextBox 5">
+            <a:extLst>
+              <a:ext uri="{FF2B5EF4-FFF2-40B4-BE49-F238E27FC236}">
+                <a16:creationId xmlns:a16="http://schemas.microsoft.com/office/drawing/2014/main" id="{BE697411-A0C6-474F-B61D-EA0FAD37342F}"/>
+              </a:ext>
+            </a:extLst>
+          </p:cNvPr>
+          <p:cNvSpPr txBox="1"/>
+          <p:nvPr/>
+        </p:nvSpPr>
+        <p:spPr>
+          <a:xfrm>
+            <a:off x="4857226" y="3409930"/>
+            <a:ext cx="3934357" cy="307777"/>
+          </a:xfrm>
+          <a:prstGeom prst="rect">
+            <a:avLst/>
+          </a:prstGeom>
+          <a:noFill/>
+        </p:spPr>
+        <p:txBody>
+          <a:bodyPr wrap="square" rtlCol="0">
+            <a:spAutoFit/>
+          </a:bodyPr>
+          <a:lstStyle/>
+          <a:p>
+            <a:r>
+              <a:rPr lang="en-IN" sz="1400" i="1" dirty="0">
+                <a:solidFill>
+                  <a:schemeClr val="bg1"/>
+                </a:solidFill>
+              </a:rPr>
+              <a:t>#All these items are ordered more than once</a:t>
+            </a:r>
+          </a:p>
+        </p:txBody>
+      </p:sp>
+      <p:sp>
+        <p:nvSpPr>
+          <p:cNvPr id="7" name="TextBox 6">
+            <a:extLst>
+              <a:ext uri="{FF2B5EF4-FFF2-40B4-BE49-F238E27FC236}">
+                <a16:creationId xmlns:a16="http://schemas.microsoft.com/office/drawing/2014/main" id="{86543572-A96E-4FA1-A4B3-C8CB0E228222}"/>
+              </a:ext>
+            </a:extLst>
+          </p:cNvPr>
+          <p:cNvSpPr txBox="1"/>
+          <p:nvPr/>
+        </p:nvSpPr>
+        <p:spPr>
+          <a:xfrm>
+            <a:off x="1802795" y="2225252"/>
+            <a:ext cx="252507" cy="369332"/>
+          </a:xfrm>
+          <a:prstGeom prst="rect">
+            <a:avLst/>
+          </a:prstGeom>
+          <a:noFill/>
+          <a:ln>
+            <a:solidFill>
+              <a:schemeClr val="bg1"/>
+            </a:solidFill>
+          </a:ln>
+        </p:spPr>
+        <p:txBody>
+          <a:bodyPr wrap="square" rtlCol="0">
+            <a:spAutoFit/>
+          </a:bodyPr>
+          <a:lstStyle/>
+          <a:p>
+            <a:r>
+              <a:rPr lang="en-IN" dirty="0">
+                <a:solidFill>
+                  <a:schemeClr val="bg1"/>
+                </a:solidFill>
+                <a:latin typeface="Artifakt Element" panose="020B0503050000020004" pitchFamily="34" charset="0"/>
+                <a:ea typeface="Artifakt Element" panose="020B0503050000020004" pitchFamily="34" charset="0"/>
+              </a:rPr>
+              <a:t>I</a:t>
             </a:r>
           </a:p>
         </p:txBody>
@@ -9760,8 +9845,8 @@
         </p:nvSpPr>
         <p:spPr>
           <a:xfrm>
-            <a:off x="595618" y="998290"/>
-            <a:ext cx="7684316" cy="830997"/>
+            <a:off x="515027" y="772015"/>
+            <a:ext cx="7684316" cy="1200329"/>
           </a:xfrm>
           <a:prstGeom prst="rect">
             <a:avLst/>
@@ -9775,8 +9860,8 @@
           <a:lstStyle/>
           <a:p>
             <a:r>
-              <a:rPr lang="en-IN" sz="1600" dirty="0"/>
-              <a:t>Looking at expenditure distribution from a different metric that is Average Days of order which is the average number of days between successive order, we find that temperature stickers are being used excessively.</a:t>
+              <a:rPr lang="en-IN" dirty="0"/>
+              <a:t>Looking at expenditure distribution from a different metric that is Average Days of order which is the average number of days between successive order, we find that temperature stickers are also being used excessively.</a:t>
             </a:r>
           </a:p>
         </p:txBody>
@@ -10013,6 +10098,77 @@
           </a:p>
         </p:txBody>
       </p:sp>
+      <p:sp>
+        <p:nvSpPr>
+          <p:cNvPr id="10" name="TextBox 9">
+            <a:extLst>
+              <a:ext uri="{FF2B5EF4-FFF2-40B4-BE49-F238E27FC236}">
+                <a16:creationId xmlns:a16="http://schemas.microsoft.com/office/drawing/2014/main" id="{FB377C27-06D1-49F5-AD1C-43F2C92DD680}"/>
+              </a:ext>
+            </a:extLst>
+          </p:cNvPr>
+          <p:cNvSpPr txBox="1"/>
+          <p:nvPr/>
+        </p:nvSpPr>
+        <p:spPr>
+          <a:xfrm>
+            <a:off x="6845417" y="4810029"/>
+            <a:ext cx="1929467" cy="1477328"/>
+          </a:xfrm>
+          <a:prstGeom prst="rect">
+            <a:avLst/>
+          </a:prstGeom>
+          <a:noFill/>
+        </p:spPr>
+        <p:txBody>
+          <a:bodyPr wrap="square" rtlCol="0">
+            <a:spAutoFit/>
+          </a:bodyPr>
+          <a:lstStyle/>
+          <a:p>
+            <a:r>
+              <a:rPr lang="en-IN" sz="1800" dirty="0"/>
+              <a:t>Purchase pattern is more regular for temperature stickers.</a:t>
+            </a:r>
+            <a:endParaRPr lang="en-IN" dirty="0"/>
+          </a:p>
+        </p:txBody>
+      </p:sp>
+      <p:sp>
+        <p:nvSpPr>
+          <p:cNvPr id="11" name="TextBox 10">
+            <a:extLst>
+              <a:ext uri="{FF2B5EF4-FFF2-40B4-BE49-F238E27FC236}">
+                <a16:creationId xmlns:a16="http://schemas.microsoft.com/office/drawing/2014/main" id="{EC5A85F1-300E-4628-953B-AA825805BFF5}"/>
+              </a:ext>
+            </a:extLst>
+          </p:cNvPr>
+          <p:cNvSpPr txBox="1"/>
+          <p:nvPr/>
+        </p:nvSpPr>
+        <p:spPr>
+          <a:xfrm>
+            <a:off x="410499" y="4952415"/>
+            <a:ext cx="1421628" cy="1077218"/>
+          </a:xfrm>
+          <a:prstGeom prst="rect">
+            <a:avLst/>
+          </a:prstGeom>
+          <a:noFill/>
+        </p:spPr>
+        <p:txBody>
+          <a:bodyPr wrap="square" rtlCol="0">
+            <a:spAutoFit/>
+          </a:bodyPr>
+          <a:lstStyle/>
+          <a:p>
+            <a:r>
+              <a:rPr lang="en-IN" sz="1600" i="1" dirty="0"/>
+              <a:t>Contribution towards total cost is in Lakhs</a:t>
+            </a:r>
+          </a:p>
+        </p:txBody>
+      </p:sp>
     </p:spTree>
     <p:extLst>
       <p:ext uri="{BB962C8B-B14F-4D97-AF65-F5344CB8AC3E}">
@@ -10071,7 +10227,7 @@
           <a:p>
             <a:r>
               <a:rPr lang="en-IN" dirty="0"/>
-              <a:t>INSIGHTS AND RECOMMENDATIONs</a:t>
+              <a:t>INSIGHTS AND RECOMMENDATIONS</a:t>
             </a:r>
           </a:p>
         </p:txBody>
@@ -10095,29 +10251,168 @@
         <p:spPr>
           <a:xfrm>
             <a:off x="533399" y="2076896"/>
-            <a:ext cx="7490013" cy="4118163"/>
-          </a:xfrm>
-        </p:spPr>
-        <p:txBody>
-          <a:bodyPr/>
+            <a:ext cx="7490013" cy="4679504"/>
+          </a:xfrm>
+        </p:spPr>
+        <p:txBody>
+          <a:bodyPr>
+            <a:normAutofit/>
+          </a:bodyPr>
           <a:lstStyle/>
           <a:p>
-            <a:r>
-              <a:rPr lang="en-IN" dirty="0"/>
-              <a:t>The failure rate of equipment/parts were higher for units being consumed continuously.</a:t>
-            </a:r>
-          </a:p>
-          <a:p>
-            <a:r>
-              <a:rPr lang="en-IN" dirty="0"/>
-              <a:t>To find which material is being excessively used in our area.</a:t>
+            <a:pPr marL="457200" indent="-457200">
+              <a:buFont typeface="+mj-lt"/>
+              <a:buAutoNum type="arabicPeriod"/>
+            </a:pPr>
+            <a:r>
+              <a:rPr lang="en-IN" sz="2000" dirty="0"/>
+              <a:t>There are items which are both costly and high failure rate or rate of consumption which needs to be replaced with a better alternative.</a:t>
+            </a:r>
+          </a:p>
+          <a:p>
+            <a:pPr marL="457200" indent="-457200">
+              <a:buFont typeface="+mj-lt"/>
+              <a:buAutoNum type="arabicPeriod"/>
+            </a:pPr>
+            <a:r>
+              <a:rPr lang="en-IN" sz="2000" dirty="0"/>
+              <a:t>Due to manual entry in store records and low price per unit there are some items whose consumption stay hidden, Temperature sticker is one such item. Replacement time of temperature stickers should be increased and should be used at motor TB only.</a:t>
+            </a:r>
+          </a:p>
+          <a:p>
+            <a:pPr marL="457200" indent="-457200">
+              <a:buFont typeface="+mj-lt"/>
+              <a:buAutoNum type="arabicPeriod"/>
+            </a:pPr>
+            <a:endParaRPr lang="en-IN" sz="2000" dirty="0"/>
+          </a:p>
+          <a:p>
+            <a:pPr marL="457200" indent="-457200">
+              <a:buFont typeface="+mj-lt"/>
+              <a:buAutoNum type="arabicPeriod"/>
+            </a:pPr>
+            <a:endParaRPr lang="en-IN" sz="2000" dirty="0"/>
+          </a:p>
+          <a:p>
+            <a:pPr marL="457200" indent="-457200">
+              <a:buFont typeface="+mj-lt"/>
+              <a:buAutoNum type="arabicPeriod"/>
+            </a:pPr>
+            <a:endParaRPr lang="en-IN" sz="2000" dirty="0"/>
+          </a:p>
+          <a:p>
+            <a:pPr marL="457200" indent="-457200">
+              <a:buFont typeface="+mj-lt"/>
+              <a:buAutoNum type="arabicPeriod"/>
+            </a:pPr>
+            <a:endParaRPr lang="en-IN" sz="2000" dirty="0"/>
+          </a:p>
+          <a:p>
+            <a:pPr marL="457200" indent="-457200">
+              <a:buFont typeface="+mj-lt"/>
+              <a:buAutoNum type="arabicPeriod"/>
+            </a:pPr>
+            <a:r>
+              <a:rPr lang="en-IN" sz="2000" dirty="0"/>
+              <a:t>A proper store stock record system needs to be prepared.</a:t>
             </a:r>
           </a:p>
           <a:p>
             <a:endParaRPr lang="en-IN" dirty="0"/>
           </a:p>
           <a:p>
+            <a:pPr marL="0" indent="0">
+              <a:buNone/>
+            </a:pPr>
             <a:endParaRPr lang="en-IN" dirty="0"/>
+          </a:p>
+          <a:p>
+            <a:endParaRPr lang="en-IN" dirty="0"/>
+          </a:p>
+          <a:p>
+            <a:endParaRPr lang="en-IN" dirty="0"/>
+          </a:p>
+          <a:p>
+            <a:endParaRPr lang="en-IN" dirty="0"/>
+          </a:p>
+        </p:txBody>
+      </p:sp>
+      <p:pic>
+        <p:nvPicPr>
+          <p:cNvPr id="5" name="Picture 4">
+            <a:extLst>
+              <a:ext uri="{FF2B5EF4-FFF2-40B4-BE49-F238E27FC236}">
+                <a16:creationId xmlns:a16="http://schemas.microsoft.com/office/drawing/2014/main" id="{71AB639B-C1F3-4792-9992-556590C86892}"/>
+              </a:ext>
+            </a:extLst>
+          </p:cNvPr>
+          <p:cNvPicPr>
+            <a:picLocks noChangeAspect="1"/>
+          </p:cNvPicPr>
+          <p:nvPr/>
+        </p:nvPicPr>
+        <p:blipFill>
+          <a:blip r:embed="rId2"/>
+          <a:stretch>
+            <a:fillRect/>
+          </a:stretch>
+        </p:blipFill>
+        <p:spPr>
+          <a:xfrm>
+            <a:off x="1271109" y="4556017"/>
+            <a:ext cx="6797585" cy="1361425"/>
+          </a:xfrm>
+          <a:prstGeom prst="rect">
+            <a:avLst/>
+          </a:prstGeom>
+        </p:spPr>
+      </p:pic>
+      <p:sp>
+        <p:nvSpPr>
+          <p:cNvPr id="6" name="TextBox 5">
+            <a:extLst>
+              <a:ext uri="{FF2B5EF4-FFF2-40B4-BE49-F238E27FC236}">
+                <a16:creationId xmlns:a16="http://schemas.microsoft.com/office/drawing/2014/main" id="{A0E863AD-8E92-46CE-A026-2EA3BD2D6CA5}"/>
+              </a:ext>
+            </a:extLst>
+          </p:cNvPr>
+          <p:cNvSpPr txBox="1"/>
+          <p:nvPr/>
+        </p:nvSpPr>
+        <p:spPr>
+          <a:xfrm>
+            <a:off x="204318" y="4852008"/>
+            <a:ext cx="1203512" cy="769441"/>
+          </a:xfrm>
+          <a:prstGeom prst="rect">
+            <a:avLst/>
+          </a:prstGeom>
+          <a:noFill/>
+        </p:spPr>
+        <p:txBody>
+          <a:bodyPr wrap="square" rtlCol="0">
+            <a:spAutoFit/>
+          </a:bodyPr>
+          <a:lstStyle/>
+          <a:p>
+            <a:r>
+              <a:rPr lang="en-IN" sz="1100" dirty="0">
+                <a:solidFill>
+                  <a:schemeClr val="bg1"/>
+                </a:solidFill>
+                <a:latin typeface="Arial Rounded MT Bold" panose="020F0704030504030204" pitchFamily="34" charset="0"/>
+              </a:rPr>
+              <a:t>Reference:- </a:t>
+            </a:r>
+            <a:r>
+              <a:rPr lang="en-IN" sz="1100" i="1" dirty="0">
+                <a:solidFill>
+                  <a:schemeClr val="bg1"/>
+                </a:solidFill>
+                <a:latin typeface="Arial Rounded MT Bold" panose="020F0704030504030204" pitchFamily="34" charset="0"/>
+              </a:rPr>
+              <a:t>Standard maintenance guide.</a:t>
+            </a:r>
           </a:p>
         </p:txBody>
       </p:sp>

--- a/MY CAPSTONE PROJECT-.pptx
+++ b/MY CAPSTONE PROJECT-.pptx
@@ -395,7 +395,7 @@
           <a:p>
             <a:fld id="{78ABE3C1-DBE1-495D-B57B-2849774B866A}" type="datetimeFigureOut">
               <a:rPr lang="en-US" smtClean="0"/>
-              <a:t>12/3/2021</a:t>
+              <a:t>12/6/2021</a:t>
             </a:fld>
             <a:endParaRPr lang="en-US" dirty="0"/>
           </a:p>
@@ -827,7 +827,7 @@
           <a:p>
             <a:fld id="{446C117F-5CCF-4837-BE5F-2B92066CAFAF}" type="datetimeFigureOut">
               <a:rPr lang="en-US" smtClean="0"/>
-              <a:t>12/3/2021</a:t>
+              <a:t>12/6/2021</a:t>
             </a:fld>
             <a:endParaRPr lang="en-US" dirty="0"/>
           </a:p>
@@ -1176,7 +1176,7 @@
           <a:p>
             <a:fld id="{84EB90BD-B6CE-46B7-997F-7313B992CCDC}" type="datetimeFigureOut">
               <a:rPr lang="en-US" smtClean="0"/>
-              <a:t>12/3/2021</a:t>
+              <a:t>12/6/2021</a:t>
             </a:fld>
             <a:endParaRPr lang="en-US" dirty="0"/>
           </a:p>
@@ -1594,7 +1594,7 @@
           <a:p>
             <a:fld id="{CDB9D11F-B188-461D-B23F-39381795C052}" type="datetimeFigureOut">
               <a:rPr lang="en-US" smtClean="0"/>
-              <a:t>12/3/2021</a:t>
+              <a:t>12/6/2021</a:t>
             </a:fld>
             <a:endParaRPr lang="en-US" dirty="0"/>
           </a:p>
@@ -2175,7 +2175,7 @@
           <a:p>
             <a:fld id="{52E6D8D9-55A2-4063-B0F3-121F44549695}" type="datetimeFigureOut">
               <a:rPr lang="en-US" smtClean="0"/>
-              <a:t>12/3/2021</a:t>
+              <a:t>12/6/2021</a:t>
             </a:fld>
             <a:endParaRPr lang="en-US" dirty="0"/>
           </a:p>
@@ -2869,7 +2869,7 @@
           <a:p>
             <a:fld id="{D4B24536-994D-4021-A283-9F449C0DB509}" type="datetimeFigureOut">
               <a:rPr lang="en-US" smtClean="0"/>
-              <a:t>12/3/2021</a:t>
+              <a:t>12/6/2021</a:t>
             </a:fld>
             <a:endParaRPr lang="en-US" dirty="0"/>
           </a:p>
@@ -3795,7 +3795,7 @@
           <a:p>
             <a:fld id="{3CBBBB78-C96F-47B7-AB17-D852CA960AC9}" type="datetimeFigureOut">
               <a:rPr lang="en-US" smtClean="0"/>
-              <a:t>12/3/2021</a:t>
+              <a:t>12/6/2021</a:t>
             </a:fld>
             <a:endParaRPr lang="en-US" dirty="0"/>
           </a:p>
@@ -4126,7 +4126,7 @@
           <a:p>
             <a:fld id="{1FA3F48C-C7C6-4055-9F49-3777875E72AE}" type="datetimeFigureOut">
               <a:rPr lang="en-US" smtClean="0"/>
-              <a:t>12/3/2021</a:t>
+              <a:t>12/6/2021</a:t>
             </a:fld>
             <a:endParaRPr lang="en-US" dirty="0"/>
           </a:p>
@@ -4405,7 +4405,7 @@
           <a:p>
             <a:fld id="{6178E61D-D431-422C-9764-11DAFE33AB63}" type="datetimeFigureOut">
               <a:rPr lang="en-US" smtClean="0"/>
-              <a:t>12/3/2021</a:t>
+              <a:t>12/6/2021</a:t>
             </a:fld>
             <a:endParaRPr lang="en-US" dirty="0"/>
           </a:p>
@@ -4742,7 +4742,7 @@
           <a:p>
             <a:fld id="{12DE42F4-6EEF-4EF7-8ED4-2208F0F89A08}" type="datetimeFigureOut">
               <a:rPr lang="en-US" smtClean="0"/>
-              <a:t>12/3/2021</a:t>
+              <a:t>12/6/2021</a:t>
             </a:fld>
             <a:endParaRPr lang="en-US" dirty="0"/>
           </a:p>
@@ -5149,7 +5149,7 @@
           <a:p>
             <a:fld id="{30578ACC-22D6-47C1-A373-4FD133E34F3C}" type="datetimeFigureOut">
               <a:rPr lang="en-US" smtClean="0"/>
-              <a:t>12/3/2021</a:t>
+              <a:t>12/6/2021</a:t>
             </a:fld>
             <a:endParaRPr lang="en-US" dirty="0"/>
           </a:p>
@@ -5548,7 +5548,7 @@
           <a:p>
             <a:fld id="{4E5A6C69-6797-4E8A-BF37-F2C3751466E9}" type="datetimeFigureOut">
               <a:rPr lang="en-US" smtClean="0"/>
-              <a:t>12/3/2021</a:t>
+              <a:t>12/6/2021</a:t>
             </a:fld>
             <a:endParaRPr lang="en-US" dirty="0"/>
           </a:p>
@@ -6067,7 +6067,7 @@
           <a:p>
             <a:fld id="{D82014A1-A632-4878-A0D3-F52BA7563730}" type="datetimeFigureOut">
               <a:rPr lang="en-US" smtClean="0"/>
-              <a:t>12/3/2021</a:t>
+              <a:t>12/6/2021</a:t>
             </a:fld>
             <a:endParaRPr lang="en-US" dirty="0"/>
           </a:p>
@@ -6337,7 +6337,7 @@
           <a:p>
             <a:fld id="{CE99F462-093F-4566-844B-4C71F2739DA5}" type="datetimeFigureOut">
               <a:rPr lang="en-US" smtClean="0"/>
-              <a:t>12/3/2021</a:t>
+              <a:t>12/6/2021</a:t>
             </a:fld>
             <a:endParaRPr lang="en-US" dirty="0"/>
           </a:p>
@@ -6499,7 +6499,7 @@
           <a:p>
             <a:fld id="{3D24A7AC-904D-4781-85BA-7D10C17ED021}" type="datetimeFigureOut">
               <a:rPr lang="en-US" smtClean="0"/>
-              <a:t>12/3/2021</a:t>
+              <a:t>12/6/2021</a:t>
             </a:fld>
             <a:endParaRPr lang="en-US" dirty="0"/>
           </a:p>
@@ -6902,7 +6902,7 @@
           <a:p>
             <a:fld id="{E331444B-B92B-4E27-8C94-BB93EAF5CB18}" type="datetimeFigureOut">
               <a:rPr lang="en-US" smtClean="0"/>
-              <a:t>12/3/2021</a:t>
+              <a:t>12/6/2021</a:t>
             </a:fld>
             <a:endParaRPr lang="en-US" dirty="0"/>
           </a:p>
@@ -7324,7 +7324,7 @@
           <a:p>
             <a:fld id="{363EFA5E-FA76-400D-B3DC-F0BA90E6D107}" type="datetimeFigureOut">
               <a:rPr lang="en-US" smtClean="0"/>
-              <a:t>12/3/2021</a:t>
+              <a:t>12/6/2021</a:t>
             </a:fld>
             <a:endParaRPr lang="en-US" dirty="0"/>
           </a:p>
@@ -7439,7 +7439,7 @@
           </a:prstGeom>
           <a:extLst>
             <a:ext uri="{909E8E84-426E-40dd-AFC4-6F175D3DCCD1}">
-              <a14:hiddenFill xmlns:a14="http://schemas.microsoft.com/office/drawing/2010/main" xmlns="">
+              <a14:hiddenFill xmlns="" xmlns:a14="http://schemas.microsoft.com/office/drawing/2010/main">
                 <a:solidFill>
                   <a:srgbClr val="FFFFFF"/>
                 </a:solidFill>
@@ -7578,7 +7578,7 @@
           <a:p>
             <a:fld id="{9D6E9DEC-419B-4CC5-A080-3B06BD5A8291}" type="datetimeFigureOut">
               <a:rPr lang="en-US" smtClean="0"/>
-              <a:t>12/3/2021</a:t>
+              <a:t>12/6/2021</a:t>
             </a:fld>
             <a:endParaRPr lang="en-US" dirty="0"/>
           </a:p>
@@ -9638,8 +9638,8 @@
         </p:nvSpPr>
         <p:spPr>
           <a:xfrm>
-            <a:off x="1802795" y="2225252"/>
-            <a:ext cx="252507" cy="369332"/>
+            <a:off x="2172677" y="1931319"/>
+            <a:ext cx="252507" cy="338554"/>
           </a:xfrm>
           <a:prstGeom prst="rect">
             <a:avLst/>
@@ -9658,7 +9658,7 @@
           <a:lstStyle/>
           <a:p>
             <a:r>
-              <a:rPr lang="en-IN" dirty="0">
+              <a:rPr lang="en-IN" sz="1600" dirty="0">
                 <a:solidFill>
                   <a:schemeClr val="bg1"/>
                 </a:solidFill>
@@ -9971,7 +9971,7 @@
         </p:nvSpPr>
         <p:spPr>
           <a:xfrm>
-            <a:off x="137856" y="1778581"/>
+            <a:off x="229474" y="1794701"/>
             <a:ext cx="226503" cy="221768"/>
           </a:xfrm>
           <a:prstGeom prst="ellipse">
